--- a/Azure Day/2023/Slides/TemplateAzureDay2023.pptx
+++ b/Azure Day/2023/Slides/TemplateAzureDay2023.pptx
@@ -11,12 +11,11 @@
   <p:sldIdLst>
     <p:sldId id="256" r:id="rId6"/>
     <p:sldId id="258" r:id="rId7"/>
-    <p:sldId id="257" r:id="rId8"/>
-    <p:sldId id="259" r:id="rId9"/>
-    <p:sldId id="260" r:id="rId10"/>
-    <p:sldId id="261" r:id="rId11"/>
-    <p:sldId id="263" r:id="rId12"/>
-    <p:sldId id="262" r:id="rId13"/>
+    <p:sldId id="259" r:id="rId8"/>
+    <p:sldId id="260" r:id="rId9"/>
+    <p:sldId id="261" r:id="rId10"/>
+    <p:sldId id="263" r:id="rId11"/>
+    <p:sldId id="262" r:id="rId12"/>
   </p:sldIdLst>
   <p:sldSz cx="12192000" cy="6858000"/>
   <p:notesSz cx="6858000" cy="9144000"/>
@@ -14898,26 +14897,62 @@
           <a:chExt cx="0" cy="0"/>
         </a:xfrm>
       </p:grpSpPr>
-      <p:sp>
-        <p:nvSpPr>
-          <p:cNvPr id="2" name="Segnaposto data 1">
-            <a:extLst>
-              <a:ext uri="{FF2B5EF4-FFF2-40B4-BE49-F238E27FC236}">
-                <a16:creationId xmlns:a16="http://schemas.microsoft.com/office/drawing/2014/main" id="{9AA4FEEB-698F-4425-B0B5-04B44DD26685}"/>
-              </a:ext>
-            </a:extLst>
-          </p:cNvPr>
-          <p:cNvSpPr>
-            <a:spLocks noGrp="1"/>
-          </p:cNvSpPr>
-          <p:nvPr>
-            <p:ph type="dt" sz="half" idx="10"/>
-          </p:nvPr>
-        </p:nvSpPr>
+      <p:pic>
+        <p:nvPicPr>
+          <p:cNvPr id="10" name="Picture 9" descr="Yellow and blue symbols">
+            <a:extLst>
+              <a:ext uri="{FF2B5EF4-FFF2-40B4-BE49-F238E27FC236}">
+                <a16:creationId xmlns:a16="http://schemas.microsoft.com/office/drawing/2014/main" id="{F166FFCD-9468-2B31-BCAA-F7AAC91BF12D}"/>
+              </a:ext>
+            </a:extLst>
+          </p:cNvPr>
+          <p:cNvPicPr>
+            <a:picLocks noChangeAspect="1"/>
+          </p:cNvPicPr>
+          <p:nvPr userDrawn="1"/>
+        </p:nvPicPr>
+        <p:blipFill>
+          <a:blip r:embed="rId2">
+            <a:extLst>
+              <a:ext uri="{28A0092B-C50C-407E-A947-70E740481C1C}">
+                <a14:useLocalDpi xmlns:a14="http://schemas.microsoft.com/office/drawing/2010/main" val="0"/>
+              </a:ext>
+            </a:extLst>
+          </a:blip>
+          <a:stretch>
+            <a:fillRect/>
+          </a:stretch>
+        </p:blipFill>
         <p:spPr>
           <a:xfrm>
-            <a:off x="10504714" y="6356350"/>
-            <a:ext cx="1277983" cy="365125"/>
+            <a:off x="2377440" y="0"/>
+            <a:ext cx="9814560" cy="6858000"/>
+          </a:xfrm>
+          <a:prstGeom prst="rect">
+            <a:avLst/>
+          </a:prstGeom>
+        </p:spPr>
+      </p:pic>
+      <p:sp>
+        <p:nvSpPr>
+          <p:cNvPr id="2" name="Segnaposto data 1">
+            <a:extLst>
+              <a:ext uri="{FF2B5EF4-FFF2-40B4-BE49-F238E27FC236}">
+                <a16:creationId xmlns:a16="http://schemas.microsoft.com/office/drawing/2014/main" id="{9AA4FEEB-698F-4425-B0B5-04B44DD26685}"/>
+              </a:ext>
+            </a:extLst>
+          </p:cNvPr>
+          <p:cNvSpPr>
+            <a:spLocks noGrp="1"/>
+          </p:cNvSpPr>
+          <p:nvPr>
+            <p:ph type="dt" sz="half" idx="10"/>
+          </p:nvPr>
+        </p:nvSpPr>
+        <p:spPr>
+          <a:xfrm>
+            <a:off x="9929004" y="6356350"/>
+            <a:ext cx="1853693" cy="365125"/>
           </a:xfrm>
           <a:prstGeom prst="rect">
             <a:avLst/>
@@ -15029,6 +15064,42 @@
       </p:sp>
       <p:pic>
         <p:nvPicPr>
+          <p:cNvPr id="7" name="Immagine 6">
+            <a:extLst>
+              <a:ext uri="{FF2B5EF4-FFF2-40B4-BE49-F238E27FC236}">
+                <a16:creationId xmlns:a16="http://schemas.microsoft.com/office/drawing/2014/main" id="{E06A4069-F726-4503-98B9-94A133FC05FE}"/>
+              </a:ext>
+            </a:extLst>
+          </p:cNvPr>
+          <p:cNvPicPr>
+            <a:picLocks noChangeAspect="1"/>
+          </p:cNvPicPr>
+          <p:nvPr userDrawn="1"/>
+        </p:nvPicPr>
+        <p:blipFill>
+          <a:blip r:embed="rId3">
+            <a:extLst>
+              <a:ext uri="{28A0092B-C50C-407E-A947-70E740481C1C}">
+                <a14:useLocalDpi xmlns:a14="http://schemas.microsoft.com/office/drawing/2010/main" val="0"/>
+              </a:ext>
+            </a:extLst>
+          </a:blip>
+          <a:stretch>
+            <a:fillRect/>
+          </a:stretch>
+        </p:blipFill>
+        <p:spPr>
+          <a:xfrm>
+            <a:off x="10606202" y="5106572"/>
+            <a:ext cx="1075006" cy="1075006"/>
+          </a:xfrm>
+          <a:prstGeom prst="rect">
+            <a:avLst/>
+          </a:prstGeom>
+        </p:spPr>
+      </p:pic>
+      <p:pic>
+        <p:nvPicPr>
           <p:cNvPr id="5" name="Google Shape;77;p15" descr="photo-1434030216411-0b793f4b4173.jpg">
             <a:extLst>
               <a:ext uri="{FF2B5EF4-FFF2-40B4-BE49-F238E27FC236}">
@@ -15040,7 +15111,7 @@
           <p:nvPr userDrawn="1"/>
         </p:nvPicPr>
         <p:blipFill rotWithShape="1">
-          <a:blip r:embed="rId2">
+          <a:blip r:embed="rId4">
             <a:alphaModFix/>
           </a:blip>
           <a:srcRect l="28831" r="30600"/>
@@ -15058,42 +15129,6 @@
           <a:ln>
             <a:noFill/>
           </a:ln>
-        </p:spPr>
-      </p:pic>
-      <p:pic>
-        <p:nvPicPr>
-          <p:cNvPr id="7" name="Immagine 6">
-            <a:extLst>
-              <a:ext uri="{FF2B5EF4-FFF2-40B4-BE49-F238E27FC236}">
-                <a16:creationId xmlns:a16="http://schemas.microsoft.com/office/drawing/2014/main" id="{E06A4069-F726-4503-98B9-94A133FC05FE}"/>
-              </a:ext>
-            </a:extLst>
-          </p:cNvPr>
-          <p:cNvPicPr>
-            <a:picLocks noChangeAspect="1"/>
-          </p:cNvPicPr>
-          <p:nvPr userDrawn="1"/>
-        </p:nvPicPr>
-        <p:blipFill>
-          <a:blip r:embed="rId3">
-            <a:extLst>
-              <a:ext uri="{28A0092B-C50C-407E-A947-70E740481C1C}">
-                <a14:useLocalDpi xmlns:a14="http://schemas.microsoft.com/office/drawing/2010/main" val="0"/>
-              </a:ext>
-            </a:extLst>
-          </a:blip>
-          <a:stretch>
-            <a:fillRect/>
-          </a:stretch>
-        </p:blipFill>
-        <p:spPr>
-          <a:xfrm>
-            <a:off x="10606202" y="5106572"/>
-            <a:ext cx="1075006" cy="1075006"/>
-          </a:xfrm>
-          <a:prstGeom prst="rect">
-            <a:avLst/>
-          </a:prstGeom>
         </p:spPr>
       </p:pic>
     </p:spTree>
@@ -15505,8 +15540,8 @@
         </p:blipFill>
         <p:spPr bwMode="auto">
           <a:xfrm>
-            <a:off x="1903600" y="2277100"/>
-            <a:ext cx="3296320" cy="1648160"/>
+            <a:off x="1243266" y="2041415"/>
+            <a:ext cx="4456742" cy="2228371"/>
           </a:xfrm>
           <a:prstGeom prst="rect">
             <a:avLst/>
@@ -15537,7 +15572,7 @@
           </p:cNvPicPr>
           <p:nvPr userDrawn="1"/>
         </p:nvPicPr>
-        <p:blipFill>
+        <p:blipFill rotWithShape="1">
           <a:blip r:embed="rId4">
             <a:extLst>
               <a:ext uri="{28A0092B-C50C-407E-A947-70E740481C1C}">
@@ -15545,15 +15580,13 @@
               </a:ext>
             </a:extLst>
           </a:blip>
-          <a:srcRect/>
-          <a:stretch>
-            <a:fillRect/>
-          </a:stretch>
+          <a:srcRect l="3102" t="17090" r="5583" b="23192"/>
+          <a:stretch/>
         </p:blipFill>
         <p:spPr bwMode="auto">
           <a:xfrm>
-            <a:off x="5273492" y="4117341"/>
-            <a:ext cx="1745443" cy="872722"/>
+            <a:off x="5425689" y="4337461"/>
+            <a:ext cx="1593851" cy="521172"/>
           </a:xfrm>
           <a:prstGeom prst="rect">
             <a:avLst/>
@@ -15572,10 +15605,10 @@
       </p:pic>
       <p:pic>
         <p:nvPicPr>
-          <p:cNvPr id="20" name="Immagine 19">
-            <a:extLst>
-              <a:ext uri="{FF2B5EF4-FFF2-40B4-BE49-F238E27FC236}">
-                <a16:creationId xmlns:a16="http://schemas.microsoft.com/office/drawing/2014/main" id="{8BE2B814-4AB1-49BF-9E23-73C7B30928CE}"/>
+          <p:cNvPr id="21" name="Immagine 20" descr="Immagine che contiene testo, bigliettodavisita, grafica vettoriale&#10;&#10;Descrizione generata automaticamente">
+            <a:extLst>
+              <a:ext uri="{FF2B5EF4-FFF2-40B4-BE49-F238E27FC236}">
+                <a16:creationId xmlns:a16="http://schemas.microsoft.com/office/drawing/2014/main" id="{C8E6F388-7C62-4230-8DC6-8218AD2A8014}"/>
               </a:ext>
             </a:extLst>
           </p:cNvPr>
@@ -15598,43 +15631,7 @@
         </p:blipFill>
         <p:spPr>
           <a:xfrm>
-            <a:off x="12399531" y="5185981"/>
-            <a:ext cx="1175497" cy="1175497"/>
-          </a:xfrm>
-          <a:prstGeom prst="rect">
-            <a:avLst/>
-          </a:prstGeom>
-        </p:spPr>
-      </p:pic>
-      <p:pic>
-        <p:nvPicPr>
-          <p:cNvPr id="21" name="Immagine 20" descr="Immagine che contiene testo, bigliettodavisita, grafica vettoriale&#10;&#10;Descrizione generata automaticamente">
-            <a:extLst>
-              <a:ext uri="{FF2B5EF4-FFF2-40B4-BE49-F238E27FC236}">
-                <a16:creationId xmlns:a16="http://schemas.microsoft.com/office/drawing/2014/main" id="{C8E6F388-7C62-4230-8DC6-8218AD2A8014}"/>
-              </a:ext>
-            </a:extLst>
-          </p:cNvPr>
-          <p:cNvPicPr>
-            <a:picLocks noChangeAspect="1"/>
-          </p:cNvPicPr>
-          <p:nvPr userDrawn="1"/>
-        </p:nvPicPr>
-        <p:blipFill>
-          <a:blip r:embed="rId6">
-            <a:extLst>
-              <a:ext uri="{28A0092B-C50C-407E-A947-70E740481C1C}">
-                <a14:useLocalDpi xmlns:a14="http://schemas.microsoft.com/office/drawing/2010/main" val="0"/>
-              </a:ext>
-            </a:extLst>
-          </a:blip>
-          <a:stretch>
-            <a:fillRect/>
-          </a:stretch>
-        </p:blipFill>
-        <p:spPr>
-          <a:xfrm>
-            <a:off x="6379722" y="5261621"/>
+            <a:off x="7674439" y="5236857"/>
             <a:ext cx="1049653" cy="1049653"/>
           </a:xfrm>
           <a:prstGeom prst="rect">
@@ -15657,7 +15654,7 @@
           <p:nvPr userDrawn="1"/>
         </p:nvPicPr>
         <p:blipFill>
-          <a:blip r:embed="rId7">
+          <a:blip r:embed="rId6">
             <a:extLst>
               <a:ext uri="{28A0092B-C50C-407E-A947-70E740481C1C}">
                 <a14:useLocalDpi xmlns:a14="http://schemas.microsoft.com/office/drawing/2010/main" val="0"/>
@@ -15670,8 +15667,8 @@
         </p:blipFill>
         <p:spPr>
           <a:xfrm>
-            <a:off x="7770732" y="5401507"/>
-            <a:ext cx="757556" cy="757556"/>
+            <a:off x="289815" y="377563"/>
+            <a:ext cx="1075005" cy="1075005"/>
           </a:xfrm>
           <a:prstGeom prst="rect">
             <a:avLst/>
@@ -15692,23 +15689,21 @@
           </p:cNvPicPr>
           <p:nvPr userDrawn="1"/>
         </p:nvPicPr>
-        <p:blipFill>
-          <a:blip r:embed="rId8">
+        <p:blipFill rotWithShape="1">
+          <a:blip r:embed="rId7">
             <a:extLst>
               <a:ext uri="{28A0092B-C50C-407E-A947-70E740481C1C}">
                 <a14:useLocalDpi xmlns:a14="http://schemas.microsoft.com/office/drawing/2010/main" val="0"/>
               </a:ext>
             </a:extLst>
           </a:blip>
-          <a:srcRect/>
-          <a:stretch>
-            <a:fillRect/>
-          </a:stretch>
+          <a:srcRect l="8549" t="27448" r="7089" b="26358"/>
+          <a:stretch/>
         </p:blipFill>
         <p:spPr bwMode="auto">
           <a:xfrm>
-            <a:off x="9509653" y="4058917"/>
-            <a:ext cx="1979138" cy="989570"/>
+            <a:off x="9191980" y="4352083"/>
+            <a:ext cx="2156504" cy="590424"/>
           </a:xfrm>
           <a:prstGeom prst="rect">
             <a:avLst/>
@@ -15739,23 +15734,21 @@
           </p:cNvPicPr>
           <p:nvPr userDrawn="1"/>
         </p:nvPicPr>
-        <p:blipFill>
-          <a:blip r:embed="rId9">
+        <p:blipFill rotWithShape="1">
+          <a:blip r:embed="rId8">
             <a:extLst>
               <a:ext uri="{28A0092B-C50C-407E-A947-70E740481C1C}">
                 <a14:useLocalDpi xmlns:a14="http://schemas.microsoft.com/office/drawing/2010/main" val="0"/>
               </a:ext>
             </a:extLst>
           </a:blip>
-          <a:srcRect/>
-          <a:stretch>
-            <a:fillRect/>
-          </a:stretch>
+          <a:srcRect l="15960" t="10558" r="17008" b="14934"/>
+          <a:stretch/>
         </p:blipFill>
         <p:spPr bwMode="auto">
           <a:xfrm>
-            <a:off x="7326489" y="4084800"/>
-            <a:ext cx="1875609" cy="937805"/>
+            <a:off x="7574579" y="4352083"/>
+            <a:ext cx="1062362" cy="590424"/>
           </a:xfrm>
           <a:prstGeom prst="rect">
             <a:avLst/>
@@ -15786,22 +15779,21 @@
           </p:cNvPicPr>
           <p:nvPr userDrawn="1"/>
         </p:nvPicPr>
-        <p:blipFill>
-          <a:blip r:embed="rId10">
+        <p:blipFill rotWithShape="1">
+          <a:blip r:embed="rId9">
             <a:extLst>
               <a:ext uri="{28A0092B-C50C-407E-A947-70E740481C1C}">
                 <a14:useLocalDpi xmlns:a14="http://schemas.microsoft.com/office/drawing/2010/main" val="0"/>
               </a:ext>
             </a:extLst>
           </a:blip>
-          <a:stretch>
-            <a:fillRect/>
-          </a:stretch>
+          <a:srcRect l="4715" t="22108" r="6107" b="22318"/>
+          <a:stretch/>
         </p:blipFill>
         <p:spPr>
           <a:xfrm>
-            <a:off x="3090329" y="4084800"/>
-            <a:ext cx="1875609" cy="937805"/>
+            <a:off x="3198017" y="4352083"/>
+            <a:ext cx="1672633" cy="521173"/>
           </a:xfrm>
           <a:prstGeom prst="rect">
             <a:avLst/>
@@ -15823,7 +15815,7 @@
           <p:nvPr userDrawn="1"/>
         </p:nvPicPr>
         <p:blipFill>
-          <a:blip r:embed="rId11">
+          <a:blip r:embed="rId10">
             <a:extLst>
               <a:ext uri="{28A0092B-C50C-407E-A947-70E740481C1C}">
                 <a14:useLocalDpi xmlns:a14="http://schemas.microsoft.com/office/drawing/2010/main" val="0"/>
@@ -15837,7 +15829,7 @@
         </p:blipFill>
         <p:spPr bwMode="auto">
           <a:xfrm>
-            <a:off x="2557956" y="5261621"/>
+            <a:off x="3198017" y="5236857"/>
             <a:ext cx="1875610" cy="937805"/>
           </a:xfrm>
           <a:prstGeom prst="rect">
@@ -15870,7 +15862,7 @@
           <p:nvPr userDrawn="1"/>
         </p:nvPicPr>
         <p:blipFill>
-          <a:blip r:embed="rId12">
+          <a:blip r:embed="rId11">
             <a:extLst>
               <a:ext uri="{28A0092B-C50C-407E-A947-70E740481C1C}">
                 <a14:useLocalDpi xmlns:a14="http://schemas.microsoft.com/office/drawing/2010/main" val="0"/>
@@ -15883,7 +15875,7 @@
         </p:blipFill>
         <p:spPr>
           <a:xfrm>
-            <a:off x="4468840" y="5253800"/>
+            <a:off x="5340767" y="5236858"/>
             <a:ext cx="1875608" cy="937804"/>
           </a:xfrm>
           <a:prstGeom prst="rect">
@@ -15905,23 +15897,21 @@
           </p:cNvPicPr>
           <p:nvPr userDrawn="1"/>
         </p:nvPicPr>
-        <p:blipFill>
-          <a:blip r:embed="rId13">
+        <p:blipFill rotWithShape="1">
+          <a:blip r:embed="rId12">
             <a:extLst>
               <a:ext uri="{28A0092B-C50C-407E-A947-70E740481C1C}">
                 <a14:useLocalDpi xmlns:a14="http://schemas.microsoft.com/office/drawing/2010/main" val="0"/>
               </a:ext>
             </a:extLst>
           </a:blip>
-          <a:srcRect/>
-          <a:stretch>
-            <a:fillRect/>
-          </a:stretch>
+          <a:srcRect t="23566" b="32751"/>
+          <a:stretch/>
         </p:blipFill>
         <p:spPr bwMode="auto">
           <a:xfrm>
-            <a:off x="803637" y="4058918"/>
-            <a:ext cx="1979138" cy="989569"/>
+            <a:off x="663841" y="4352083"/>
+            <a:ext cx="1979138" cy="432274"/>
           </a:xfrm>
           <a:prstGeom prst="rect">
             <a:avLst/>
@@ -15953,7 +15943,7 @@
           <p:nvPr userDrawn="1"/>
         </p:nvPicPr>
         <p:blipFill>
-          <a:blip r:embed="rId14">
+          <a:blip r:embed="rId13">
             <a:extLst>
               <a:ext uri="{28A0092B-C50C-407E-A947-70E740481C1C}">
                 <a14:useLocalDpi xmlns:a14="http://schemas.microsoft.com/office/drawing/2010/main" val="0"/>
@@ -15967,8 +15957,8 @@
         </p:blipFill>
         <p:spPr bwMode="auto">
           <a:xfrm>
-            <a:off x="6213333" y="2333402"/>
-            <a:ext cx="3296320" cy="1648160"/>
+            <a:off x="6096000" y="2041415"/>
+            <a:ext cx="4456744" cy="2228372"/>
           </a:xfrm>
           <a:prstGeom prst="rect">
             <a:avLst/>
@@ -15983,6 +15973,42 @@
               </a14:hiddenFill>
             </a:ext>
           </a:extLst>
+        </p:spPr>
+      </p:pic>
+      <p:pic>
+        <p:nvPicPr>
+          <p:cNvPr id="2" name="Immagine 11">
+            <a:extLst>
+              <a:ext uri="{FF2B5EF4-FFF2-40B4-BE49-F238E27FC236}">
+                <a16:creationId xmlns:a16="http://schemas.microsoft.com/office/drawing/2014/main" id="{65F23012-93BB-B4D4-62AF-9957573BF9F6}"/>
+              </a:ext>
+            </a:extLst>
+          </p:cNvPr>
+          <p:cNvPicPr>
+            <a:picLocks noChangeAspect="1"/>
+          </p:cNvPicPr>
+          <p:nvPr userDrawn="1"/>
+        </p:nvPicPr>
+        <p:blipFill>
+          <a:blip r:embed="rId14">
+            <a:extLst>
+              <a:ext uri="{28A0092B-C50C-407E-A947-70E740481C1C}">
+                <a14:useLocalDpi xmlns:a14="http://schemas.microsoft.com/office/drawing/2010/main" val="0"/>
+              </a:ext>
+            </a:extLst>
+          </a:blip>
+          <a:stretch>
+            <a:fillRect/>
+          </a:stretch>
+        </p:blipFill>
+        <p:spPr>
+          <a:xfrm>
+            <a:off x="10827179" y="377562"/>
+            <a:ext cx="1075006" cy="1075006"/>
+          </a:xfrm>
+          <a:prstGeom prst="rect">
+            <a:avLst/>
+          </a:prstGeom>
         </p:spPr>
       </p:pic>
     </p:spTree>
@@ -19874,7 +19900,12 @@
             <p:ph type="ctrTitle"/>
           </p:nvPr>
         </p:nvSpPr>
-        <p:spPr/>
+        <p:spPr>
+          <a:xfrm>
+            <a:off x="3715367" y="2625167"/>
+            <a:ext cx="7812800" cy="3042388"/>
+          </a:xfrm>
+        </p:spPr>
         <p:txBody>
           <a:bodyPr/>
           <a:lstStyle/>
@@ -19882,6 +19913,209 @@
             <a:r>
               <a:rPr lang="it-IT" dirty="0"/>
               <a:t>Session Title</a:t>
+            </a:r>
+          </a:p>
+        </p:txBody>
+      </p:sp>
+      <p:sp>
+        <p:nvSpPr>
+          <p:cNvPr id="2" name="Titolo 3">
+            <a:extLst>
+              <a:ext uri="{FF2B5EF4-FFF2-40B4-BE49-F238E27FC236}">
+                <a16:creationId xmlns:a16="http://schemas.microsoft.com/office/drawing/2014/main" id="{EE9FFB28-0C5E-7BC5-B50D-B2BFD36B73C2}"/>
+              </a:ext>
+            </a:extLst>
+          </p:cNvPr>
+          <p:cNvSpPr txBox="1">
+            <a:spLocks/>
+          </p:cNvSpPr>
+          <p:nvPr/>
+        </p:nvSpPr>
+        <p:spPr>
+          <a:xfrm>
+            <a:off x="3781502" y="4853796"/>
+            <a:ext cx="7812800" cy="1627517"/>
+          </a:xfrm>
+          <a:prstGeom prst="rect">
+            <a:avLst/>
+          </a:prstGeom>
+        </p:spPr>
+        <p:txBody>
+          <a:bodyPr spcFirstLastPara="1" wrap="square" lIns="91425" tIns="91425" rIns="91425" bIns="91425" anchor="b" anchorCtr="0"/>
+          <a:lstStyle>
+            <a:lvl1pPr lvl="0" algn="r" defTabSz="914400" rtl="0" eaLnBrk="1" latinLnBrk="0" hangingPunct="1">
+              <a:lnSpc>
+                <a:spcPct val="90000"/>
+              </a:lnSpc>
+              <a:spcBef>
+                <a:spcPts val="0"/>
+              </a:spcBef>
+              <a:spcAft>
+                <a:spcPts val="0"/>
+              </a:spcAft>
+              <a:buClr>
+                <a:srgbClr val="FFFFFF"/>
+              </a:buClr>
+              <a:buSzPts val="4800"/>
+              <a:buNone/>
+              <a:defRPr sz="6600" kern="1200">
+                <a:solidFill>
+                  <a:srgbClr val="FFFFFF"/>
+                </a:solidFill>
+                <a:latin typeface="+mj-lt"/>
+                <a:ea typeface="+mj-ea"/>
+                <a:cs typeface="+mj-cs"/>
+              </a:defRPr>
+            </a:lvl1pPr>
+            <a:lvl2pPr lvl="1" algn="ctr">
+              <a:spcBef>
+                <a:spcPts val="0"/>
+              </a:spcBef>
+              <a:spcAft>
+                <a:spcPts val="0"/>
+              </a:spcAft>
+              <a:buClr>
+                <a:srgbClr val="FFFFFF"/>
+              </a:buClr>
+              <a:buSzPts val="4800"/>
+              <a:buNone/>
+              <a:defRPr sz="6400">
+                <a:solidFill>
+                  <a:srgbClr val="FFFFFF"/>
+                </a:solidFill>
+              </a:defRPr>
+            </a:lvl2pPr>
+            <a:lvl3pPr lvl="2" algn="ctr">
+              <a:spcBef>
+                <a:spcPts val="0"/>
+              </a:spcBef>
+              <a:spcAft>
+                <a:spcPts val="0"/>
+              </a:spcAft>
+              <a:buClr>
+                <a:srgbClr val="FFFFFF"/>
+              </a:buClr>
+              <a:buSzPts val="4800"/>
+              <a:buNone/>
+              <a:defRPr sz="6400">
+                <a:solidFill>
+                  <a:srgbClr val="FFFFFF"/>
+                </a:solidFill>
+              </a:defRPr>
+            </a:lvl3pPr>
+            <a:lvl4pPr lvl="3" algn="ctr">
+              <a:spcBef>
+                <a:spcPts val="0"/>
+              </a:spcBef>
+              <a:spcAft>
+                <a:spcPts val="0"/>
+              </a:spcAft>
+              <a:buClr>
+                <a:srgbClr val="FFFFFF"/>
+              </a:buClr>
+              <a:buSzPts val="4800"/>
+              <a:buNone/>
+              <a:defRPr sz="6400">
+                <a:solidFill>
+                  <a:srgbClr val="FFFFFF"/>
+                </a:solidFill>
+              </a:defRPr>
+            </a:lvl4pPr>
+            <a:lvl5pPr lvl="4" algn="ctr">
+              <a:spcBef>
+                <a:spcPts val="0"/>
+              </a:spcBef>
+              <a:spcAft>
+                <a:spcPts val="0"/>
+              </a:spcAft>
+              <a:buClr>
+                <a:srgbClr val="FFFFFF"/>
+              </a:buClr>
+              <a:buSzPts val="4800"/>
+              <a:buNone/>
+              <a:defRPr sz="6400">
+                <a:solidFill>
+                  <a:srgbClr val="FFFFFF"/>
+                </a:solidFill>
+              </a:defRPr>
+            </a:lvl5pPr>
+            <a:lvl6pPr lvl="5" algn="ctr">
+              <a:spcBef>
+                <a:spcPts val="0"/>
+              </a:spcBef>
+              <a:spcAft>
+                <a:spcPts val="0"/>
+              </a:spcAft>
+              <a:buClr>
+                <a:srgbClr val="FFFFFF"/>
+              </a:buClr>
+              <a:buSzPts val="4800"/>
+              <a:buNone/>
+              <a:defRPr sz="6400">
+                <a:solidFill>
+                  <a:srgbClr val="FFFFFF"/>
+                </a:solidFill>
+              </a:defRPr>
+            </a:lvl6pPr>
+            <a:lvl7pPr lvl="6" algn="ctr">
+              <a:spcBef>
+                <a:spcPts val="0"/>
+              </a:spcBef>
+              <a:spcAft>
+                <a:spcPts val="0"/>
+              </a:spcAft>
+              <a:buClr>
+                <a:srgbClr val="FFFFFF"/>
+              </a:buClr>
+              <a:buSzPts val="4800"/>
+              <a:buNone/>
+              <a:defRPr sz="6400">
+                <a:solidFill>
+                  <a:srgbClr val="FFFFFF"/>
+                </a:solidFill>
+              </a:defRPr>
+            </a:lvl7pPr>
+            <a:lvl8pPr lvl="7" algn="ctr">
+              <a:spcBef>
+                <a:spcPts val="0"/>
+              </a:spcBef>
+              <a:spcAft>
+                <a:spcPts val="0"/>
+              </a:spcAft>
+              <a:buClr>
+                <a:srgbClr val="FFFFFF"/>
+              </a:buClr>
+              <a:buSzPts val="4800"/>
+              <a:buNone/>
+              <a:defRPr sz="6400">
+                <a:solidFill>
+                  <a:srgbClr val="FFFFFF"/>
+                </a:solidFill>
+              </a:defRPr>
+            </a:lvl8pPr>
+            <a:lvl9pPr lvl="8" algn="ctr">
+              <a:spcBef>
+                <a:spcPts val="0"/>
+              </a:spcBef>
+              <a:spcAft>
+                <a:spcPts val="0"/>
+              </a:spcAft>
+              <a:buClr>
+                <a:srgbClr val="FFFFFF"/>
+              </a:buClr>
+              <a:buSzPts val="4800"/>
+              <a:buNone/>
+              <a:defRPr sz="6400">
+                <a:solidFill>
+                  <a:srgbClr val="FFFFFF"/>
+                </a:solidFill>
+              </a:defRPr>
+            </a:lvl9pPr>
+          </a:lstStyle>
+          <a:p>
+            <a:r>
+              <a:rPr lang="it-IT" sz="4000" dirty="0"/>
+              <a:t>Speaker name @ company</a:t>
             </a:r>
           </a:p>
         </p:txBody>
@@ -19948,10 +20182,35 @@
       </p:grpSpPr>
       <p:sp>
         <p:nvSpPr>
-          <p:cNvPr id="2" name="Titolo 1">
-            <a:extLst>
-              <a:ext uri="{FF2B5EF4-FFF2-40B4-BE49-F238E27FC236}">
-                <a16:creationId xmlns:a16="http://schemas.microsoft.com/office/drawing/2014/main" id="{82954598-C7EE-48F7-8E78-20DDDB3A7401}"/>
+          <p:cNvPr id="6" name="Segnaposto contenuto 5">
+            <a:extLst>
+              <a:ext uri="{FF2B5EF4-FFF2-40B4-BE49-F238E27FC236}">
+                <a16:creationId xmlns:a16="http://schemas.microsoft.com/office/drawing/2014/main" id="{2473D9E2-DEFE-412D-9A18-924B8EECBE47}"/>
+              </a:ext>
+            </a:extLst>
+          </p:cNvPr>
+          <p:cNvSpPr>
+            <a:spLocks noGrp="1"/>
+          </p:cNvSpPr>
+          <p:nvPr>
+            <p:ph idx="1"/>
+          </p:nvPr>
+        </p:nvSpPr>
+        <p:spPr/>
+        <p:txBody>
+          <a:bodyPr/>
+          <a:lstStyle/>
+          <a:p>
+            <a:endParaRPr lang="it-IT" dirty="0"/>
+          </a:p>
+        </p:txBody>
+      </p:sp>
+      <p:sp>
+        <p:nvSpPr>
+          <p:cNvPr id="5" name="Titolo 4">
+            <a:extLst>
+              <a:ext uri="{FF2B5EF4-FFF2-40B4-BE49-F238E27FC236}">
+                <a16:creationId xmlns:a16="http://schemas.microsoft.com/office/drawing/2014/main" id="{8CAE0EFC-B7FF-4C7D-BF02-BDDAEA8577D3}"/>
               </a:ext>
             </a:extLst>
           </p:cNvPr>
@@ -19969,36 +20228,105 @@
           </a:bodyPr>
           <a:lstStyle/>
           <a:p>
+            <a:endParaRPr lang="it-IT"/>
+          </a:p>
+        </p:txBody>
+      </p:sp>
+      <p:sp>
+        <p:nvSpPr>
+          <p:cNvPr id="2" name="Rectangle 1">
+            <a:extLst>
+              <a:ext uri="{FF2B5EF4-FFF2-40B4-BE49-F238E27FC236}">
+                <a16:creationId xmlns:a16="http://schemas.microsoft.com/office/drawing/2014/main" id="{FC8F346C-88C7-529A-F799-950BB4C30D4E}"/>
+              </a:ext>
+            </a:extLst>
+          </p:cNvPr>
+          <p:cNvSpPr/>
+          <p:nvPr/>
+        </p:nvSpPr>
+        <p:spPr>
+          <a:xfrm>
+            <a:off x="8126083" y="244481"/>
+            <a:ext cx="3795623" cy="2139351"/>
+          </a:xfrm>
+          <a:prstGeom prst="rect">
+            <a:avLst/>
+          </a:prstGeom>
+        </p:spPr>
+        <p:style>
+          <a:lnRef idx="2">
+            <a:schemeClr val="accent1">
+              <a:shade val="50000"/>
+            </a:schemeClr>
+          </a:lnRef>
+          <a:fillRef idx="1">
+            <a:schemeClr val="accent1"/>
+          </a:fillRef>
+          <a:effectRef idx="0">
+            <a:schemeClr val="accent1"/>
+          </a:effectRef>
+          <a:fontRef idx="minor">
+            <a:schemeClr val="lt1"/>
+          </a:fontRef>
+        </p:style>
+        <p:txBody>
+          <a:bodyPr rtlCol="0" anchor="ctr"/>
+          <a:lstStyle/>
+          <a:p>
             <a:pPr algn="ctr"/>
             <a:r>
-              <a:rPr lang="it-IT" dirty="0"/>
-              <a:t>AGENDA</a:t>
-            </a:r>
-          </a:p>
-        </p:txBody>
-      </p:sp>
-      <p:sp>
-        <p:nvSpPr>
-          <p:cNvPr id="3" name="Segnaposto contenuto 2">
-            <a:extLst>
-              <a:ext uri="{FF2B5EF4-FFF2-40B4-BE49-F238E27FC236}">
-                <a16:creationId xmlns:a16="http://schemas.microsoft.com/office/drawing/2014/main" id="{448EF4F0-1B6D-4CB6-92BF-7CD8104A7A88}"/>
-              </a:ext>
-            </a:extLst>
-          </p:cNvPr>
-          <p:cNvSpPr>
-            <a:spLocks noGrp="1"/>
-          </p:cNvSpPr>
-          <p:nvPr>
-            <p:ph idx="1"/>
-          </p:nvPr>
-        </p:nvSpPr>
-        <p:spPr/>
+              <a:rPr lang="it-IT" dirty="0" err="1"/>
+              <a:t>Please</a:t>
+            </a:r>
+            <a:r>
+              <a:rPr lang="it-IT" dirty="0"/>
+              <a:t> </a:t>
+            </a:r>
+            <a:r>
+              <a:rPr lang="it-IT" dirty="0" err="1"/>
+              <a:t>avoid</a:t>
+            </a:r>
+            <a:r>
+              <a:rPr lang="it-IT" dirty="0"/>
+              <a:t> </a:t>
+            </a:r>
+            <a:r>
+              <a:rPr lang="it-IT" dirty="0" err="1"/>
+              <a:t>contents</a:t>
+            </a:r>
+            <a:r>
+              <a:rPr lang="it-IT" dirty="0"/>
+              <a:t> in </a:t>
+            </a:r>
+            <a:r>
+              <a:rPr lang="it-IT" dirty="0" err="1"/>
+              <a:t>this</a:t>
+            </a:r>
+            <a:r>
+              <a:rPr lang="it-IT" dirty="0"/>
+              <a:t> area</a:t>
+            </a:r>
+          </a:p>
+          <a:p>
+            <a:pPr algn="ctr"/>
+            <a:r>
+              <a:rPr lang="it-IT" dirty="0"/>
+              <a:t>&amp;</a:t>
+            </a:r>
+            <a:br>
+              <a:rPr lang="it-IT" dirty="0"/>
+            </a:br>
+            <a:r>
+              <a:rPr lang="it-IT" dirty="0"/>
+              <a:t>REMOVE THIS PLACEHOLDER</a:t>
+            </a:r>
+          </a:p>
+        </p:txBody>
       </p:sp>
     </p:spTree>
     <p:extLst>
       <p:ext uri="{BB962C8B-B14F-4D97-AF65-F5344CB8AC3E}">
-        <p14:creationId xmlns:p14="http://schemas.microsoft.com/office/powerpoint/2010/main" val="1647802638"/>
+        <p14:creationId xmlns:p14="http://schemas.microsoft.com/office/powerpoint/2010/main" val="909185628"/>
       </p:ext>
     </p:extLst>
   </p:cSld>
@@ -20027,35 +20355,10 @@
       </p:grpSpPr>
       <p:sp>
         <p:nvSpPr>
-          <p:cNvPr id="6" name="Segnaposto contenuto 5">
-            <a:extLst>
-              <a:ext uri="{FF2B5EF4-FFF2-40B4-BE49-F238E27FC236}">
-                <a16:creationId xmlns:a16="http://schemas.microsoft.com/office/drawing/2014/main" id="{2473D9E2-DEFE-412D-9A18-924B8EECBE47}"/>
-              </a:ext>
-            </a:extLst>
-          </p:cNvPr>
-          <p:cNvSpPr>
-            <a:spLocks noGrp="1"/>
-          </p:cNvSpPr>
-          <p:nvPr>
-            <p:ph idx="1"/>
-          </p:nvPr>
-        </p:nvSpPr>
-        <p:spPr/>
-        <p:txBody>
-          <a:bodyPr/>
-          <a:lstStyle/>
-          <a:p>
-            <a:endParaRPr lang="it-IT"/>
-          </a:p>
-        </p:txBody>
-      </p:sp>
-      <p:sp>
-        <p:nvSpPr>
-          <p:cNvPr id="5" name="Titolo 4">
-            <a:extLst>
-              <a:ext uri="{FF2B5EF4-FFF2-40B4-BE49-F238E27FC236}">
-                <a16:creationId xmlns:a16="http://schemas.microsoft.com/office/drawing/2014/main" id="{8CAE0EFC-B7FF-4C7D-BF02-BDDAEA8577D3}"/>
+          <p:cNvPr id="2" name="Titolo 1">
+            <a:extLst>
+              <a:ext uri="{FF2B5EF4-FFF2-40B4-BE49-F238E27FC236}">
+                <a16:creationId xmlns:a16="http://schemas.microsoft.com/office/drawing/2014/main" id="{E930828C-9A30-4F4F-9B1D-41435CCCA054}"/>
               </a:ext>
             </a:extLst>
           </p:cNvPr>
@@ -20080,7 +20383,7 @@
     </p:spTree>
     <p:extLst>
       <p:ext uri="{BB962C8B-B14F-4D97-AF65-F5344CB8AC3E}">
-        <p14:creationId xmlns:p14="http://schemas.microsoft.com/office/powerpoint/2010/main" val="909185628"/>
+        <p14:creationId xmlns:p14="http://schemas.microsoft.com/office/powerpoint/2010/main" val="3417245344"/>
       </p:ext>
     </p:extLst>
   </p:cSld>
@@ -20112,7 +20415,7 @@
           <p:cNvPr id="2" name="Titolo 1">
             <a:extLst>
               <a:ext uri="{FF2B5EF4-FFF2-40B4-BE49-F238E27FC236}">
-                <a16:creationId xmlns:a16="http://schemas.microsoft.com/office/drawing/2014/main" id="{E930828C-9A30-4F4F-9B1D-41435CCCA054}"/>
+                <a16:creationId xmlns:a16="http://schemas.microsoft.com/office/drawing/2014/main" id="{0E689928-B287-4F6F-9288-1DE7ADE2F318}"/>
               </a:ext>
             </a:extLst>
           </p:cNvPr>
@@ -20130,14 +20433,14 @@
           </a:bodyPr>
           <a:lstStyle/>
           <a:p>
-            <a:endParaRPr lang="it-IT"/>
+            <a:endParaRPr lang="it-IT" dirty="0"/>
           </a:p>
         </p:txBody>
       </p:sp>
     </p:spTree>
     <p:extLst>
       <p:ext uri="{BB962C8B-B14F-4D97-AF65-F5344CB8AC3E}">
-        <p14:creationId xmlns:p14="http://schemas.microsoft.com/office/powerpoint/2010/main" val="3417245344"/>
+        <p14:creationId xmlns:p14="http://schemas.microsoft.com/office/powerpoint/2010/main" val="3575452940"/>
       </p:ext>
     </p:extLst>
   </p:cSld>
@@ -20166,63 +20469,6 @@
       </p:grpSpPr>
       <p:sp>
         <p:nvSpPr>
-          <p:cNvPr id="2" name="Titolo 1">
-            <a:extLst>
-              <a:ext uri="{FF2B5EF4-FFF2-40B4-BE49-F238E27FC236}">
-                <a16:creationId xmlns:a16="http://schemas.microsoft.com/office/drawing/2014/main" id="{0E689928-B287-4F6F-9288-1DE7ADE2F318}"/>
-              </a:ext>
-            </a:extLst>
-          </p:cNvPr>
-          <p:cNvSpPr>
-            <a:spLocks noGrp="1"/>
-          </p:cNvSpPr>
-          <p:nvPr>
-            <p:ph type="title"/>
-          </p:nvPr>
-        </p:nvSpPr>
-        <p:spPr/>
-        <p:txBody>
-          <a:bodyPr>
-            <a:normAutofit fontScale="90000"/>
-          </a:bodyPr>
-          <a:lstStyle/>
-          <a:p>
-            <a:endParaRPr lang="it-IT"/>
-          </a:p>
-        </p:txBody>
-      </p:sp>
-    </p:spTree>
-    <p:extLst>
-      <p:ext uri="{BB962C8B-B14F-4D97-AF65-F5344CB8AC3E}">
-        <p14:creationId xmlns:p14="http://schemas.microsoft.com/office/powerpoint/2010/main" val="3575452940"/>
-      </p:ext>
-    </p:extLst>
-  </p:cSld>
-  <p:clrMapOvr>
-    <a:masterClrMapping/>
-  </p:clrMapOvr>
-</p:sld>
-</file>
-
-<file path=ppt/slides/slide7.xml><?xml version="1.0" encoding="utf-8"?>
-<p:sld xmlns:a="http://schemas.openxmlformats.org/drawingml/2006/main" xmlns:r="http://schemas.openxmlformats.org/officeDocument/2006/relationships" xmlns:p="http://schemas.openxmlformats.org/presentationml/2006/main">
-  <p:cSld>
-    <p:spTree>
-      <p:nvGrpSpPr>
-        <p:cNvPr id="1" name=""/>
-        <p:cNvGrpSpPr/>
-        <p:nvPr/>
-      </p:nvGrpSpPr>
-      <p:grpSpPr>
-        <a:xfrm>
-          <a:off x="0" y="0"/>
-          <a:ext cx="0" cy="0"/>
-          <a:chOff x="0" y="0"/>
-          <a:chExt cx="0" cy="0"/>
-        </a:xfrm>
-      </p:grpSpPr>
-      <p:sp>
-        <p:nvSpPr>
           <p:cNvPr id="6" name="Segnaposto contenuto 5">
             <a:extLst>
               <a:ext uri="{FF2B5EF4-FFF2-40B4-BE49-F238E27FC236}">
@@ -20302,7 +20548,7 @@
 </p:sld>
 </file>
 
-<file path=ppt/slides/slide8.xml><?xml version="1.0" encoding="utf-8"?>
+<file path=ppt/slides/slide7.xml><?xml version="1.0" encoding="utf-8"?>
 <p:sld xmlns:a="http://schemas.openxmlformats.org/drawingml/2006/main" xmlns:r="http://schemas.openxmlformats.org/officeDocument/2006/relationships" xmlns:p="http://schemas.openxmlformats.org/presentationml/2006/main">
   <p:cSld>
     <p:spTree>

--- a/Azure Day/2023/Slides/TemplateAzureDay2023.pptx
+++ b/Azure Day/2023/Slides/TemplateAzureDay2023.pptx
@@ -11,11 +11,12 @@
   <p:sldIdLst>
     <p:sldId id="256" r:id="rId6"/>
     <p:sldId id="258" r:id="rId7"/>
-    <p:sldId id="259" r:id="rId8"/>
-    <p:sldId id="260" r:id="rId9"/>
-    <p:sldId id="261" r:id="rId10"/>
-    <p:sldId id="263" r:id="rId11"/>
-    <p:sldId id="262" r:id="rId12"/>
+    <p:sldId id="264" r:id="rId8"/>
+    <p:sldId id="259" r:id="rId9"/>
+    <p:sldId id="260" r:id="rId10"/>
+    <p:sldId id="261" r:id="rId11"/>
+    <p:sldId id="263" r:id="rId12"/>
+    <p:sldId id="262" r:id="rId13"/>
   </p:sldIdLst>
   <p:sldSz cx="12192000" cy="6858000"/>
   <p:notesSz cx="6858000" cy="9144000"/>
@@ -120,1365 +121,6 @@
     </p:ext>
   </p:extLst>
 </p:presentation>
-</file>
-
-<file path=ppt/revisionInfo.xml><?xml version="1.0" encoding="utf-8"?>
-<p1510:revInfo xmlns:a="http://schemas.openxmlformats.org/drawingml/2006/main" xmlns:r="http://schemas.openxmlformats.org/officeDocument/2006/relationships" xmlns:p1510="http://schemas.microsoft.com/office/powerpoint/2015/10/main">
-  <p1510:revLst>
-    <p1510:client id="{610B0C6E-A672-4434-B8B8-6F6E878A9920}" v="206" dt="2019-05-12T20:50:24.754"/>
-  </p1510:revLst>
-</p1510:revInfo>
-</file>
-
-<file path=ppt/changesInfos/changesInfo1.xml><?xml version="1.0" encoding="utf-8"?>
-<pc:chgInfo xmlns:a="http://schemas.openxmlformats.org/drawingml/2006/main" xmlns:r="http://schemas.openxmlformats.org/officeDocument/2006/relationships" xmlns:ac="http://schemas.microsoft.com/office/drawing/2013/main/command" xmlns:pc="http://schemas.microsoft.com/office/powerpoint/2013/main/command">
-  <pc:docChgLst>
-    <pc:chgData name="Luca Congiu" userId="f2703dcca2bc319d" providerId="LiveId" clId="{610B0C6E-A672-4434-B8B8-6F6E878A9920}"/>
-    <pc:docChg chg="undo custSel addSld delSld modSld sldOrd modMainMaster">
-      <pc:chgData name="Luca Congiu" userId="f2703dcca2bc319d" providerId="LiveId" clId="{610B0C6E-A672-4434-B8B8-6F6E878A9920}" dt="2019-05-12T20:50:54.740" v="508" actId="403"/>
-      <pc:docMkLst>
-        <pc:docMk/>
-      </pc:docMkLst>
-      <pc:sldChg chg="addSp delSp modSp">
-        <pc:chgData name="Luca Congiu" userId="f2703dcca2bc319d" providerId="LiveId" clId="{610B0C6E-A672-4434-B8B8-6F6E878A9920}" dt="2019-05-12T20:35:12.315" v="405"/>
-        <pc:sldMkLst>
-          <pc:docMk/>
-          <pc:sldMk cId="4048011530" sldId="256"/>
-        </pc:sldMkLst>
-        <pc:spChg chg="del">
-          <ac:chgData name="Luca Congiu" userId="f2703dcca2bc319d" providerId="LiveId" clId="{610B0C6E-A672-4434-B8B8-6F6E878A9920}" dt="2019-05-12T20:35:12.315" v="405"/>
-          <ac:spMkLst>
-            <pc:docMk/>
-            <pc:sldMk cId="4048011530" sldId="256"/>
-            <ac:spMk id="2" creationId="{04B7CFD1-43A1-47D3-BA5F-8F71CD16E770}"/>
-          </ac:spMkLst>
-        </pc:spChg>
-        <pc:spChg chg="del">
-          <ac:chgData name="Luca Congiu" userId="f2703dcca2bc319d" providerId="LiveId" clId="{610B0C6E-A672-4434-B8B8-6F6E878A9920}" dt="2019-05-12T20:35:12.315" v="405"/>
-          <ac:spMkLst>
-            <pc:docMk/>
-            <pc:sldMk cId="4048011530" sldId="256"/>
-            <ac:spMk id="3" creationId="{B317C056-6B5C-4CD8-836C-F6794498836D}"/>
-          </ac:spMkLst>
-        </pc:spChg>
-        <pc:spChg chg="add mod">
-          <ac:chgData name="Luca Congiu" userId="f2703dcca2bc319d" providerId="LiveId" clId="{610B0C6E-A672-4434-B8B8-6F6E878A9920}" dt="2019-05-12T20:35:12.315" v="405"/>
-          <ac:spMkLst>
-            <pc:docMk/>
-            <pc:sldMk cId="4048011530" sldId="256"/>
-            <ac:spMk id="4" creationId="{85EEF748-57F5-4028-90F4-77E329679381}"/>
-          </ac:spMkLst>
-        </pc:spChg>
-      </pc:sldChg>
-      <pc:sldChg chg="modSp add">
-        <pc:chgData name="Luca Congiu" userId="f2703dcca2bc319d" providerId="LiveId" clId="{610B0C6E-A672-4434-B8B8-6F6E878A9920}" dt="2019-05-12T20:35:35.975" v="414" actId="20577"/>
-        <pc:sldMkLst>
-          <pc:docMk/>
-          <pc:sldMk cId="1647802638" sldId="257"/>
-        </pc:sldMkLst>
-        <pc:spChg chg="mod">
-          <ac:chgData name="Luca Congiu" userId="f2703dcca2bc319d" providerId="LiveId" clId="{610B0C6E-A672-4434-B8B8-6F6E878A9920}" dt="2019-05-12T20:35:35.975" v="414" actId="20577"/>
-          <ac:spMkLst>
-            <pc:docMk/>
-            <pc:sldMk cId="1647802638" sldId="257"/>
-            <ac:spMk id="2" creationId="{82954598-C7EE-48F7-8E78-20DDDB3A7401}"/>
-          </ac:spMkLst>
-        </pc:spChg>
-      </pc:sldChg>
-      <pc:sldChg chg="add ord">
-        <pc:chgData name="Luca Congiu" userId="f2703dcca2bc319d" providerId="LiveId" clId="{610B0C6E-A672-4434-B8B8-6F6E878A9920}" dt="2019-05-12T20:35:47.465" v="416"/>
-        <pc:sldMkLst>
-          <pc:docMk/>
-          <pc:sldMk cId="1221883348" sldId="258"/>
-        </pc:sldMkLst>
-      </pc:sldChg>
-      <pc:sldChg chg="addSp delSp modSp add">
-        <pc:chgData name="Luca Congiu" userId="f2703dcca2bc319d" providerId="LiveId" clId="{610B0C6E-A672-4434-B8B8-6F6E878A9920}" dt="2019-05-12T20:42:32.044" v="466" actId="27636"/>
-        <pc:sldMkLst>
-          <pc:docMk/>
-          <pc:sldMk cId="909185628" sldId="259"/>
-        </pc:sldMkLst>
-        <pc:spChg chg="del">
-          <ac:chgData name="Luca Congiu" userId="f2703dcca2bc319d" providerId="LiveId" clId="{610B0C6E-A672-4434-B8B8-6F6E878A9920}" dt="2019-05-12T20:42:21.815" v="463"/>
-          <ac:spMkLst>
-            <pc:docMk/>
-            <pc:sldMk cId="909185628" sldId="259"/>
-            <ac:spMk id="2" creationId="{D9007A72-A744-4C3A-92BD-45D61D27075E}"/>
-          </ac:spMkLst>
-        </pc:spChg>
-        <pc:spChg chg="del mod">
-          <ac:chgData name="Luca Congiu" userId="f2703dcca2bc319d" providerId="LiveId" clId="{610B0C6E-A672-4434-B8B8-6F6E878A9920}" dt="2019-05-12T20:42:21.815" v="463"/>
-          <ac:spMkLst>
-            <pc:docMk/>
-            <pc:sldMk cId="909185628" sldId="259"/>
-            <ac:spMk id="3" creationId="{B2294BB5-B1FB-44F3-943D-34D4D57B882E}"/>
-          </ac:spMkLst>
-        </pc:spChg>
-        <pc:spChg chg="add del mod">
-          <ac:chgData name="Luca Congiu" userId="f2703dcca2bc319d" providerId="LiveId" clId="{610B0C6E-A672-4434-B8B8-6F6E878A9920}" dt="2019-05-12T20:42:31.954" v="465"/>
-          <ac:spMkLst>
-            <pc:docMk/>
-            <pc:sldMk cId="909185628" sldId="259"/>
-            <ac:spMk id="4" creationId="{C627D837-5630-4B66-8663-204481529053}"/>
-          </ac:spMkLst>
-        </pc:spChg>
-        <pc:spChg chg="add mod">
-          <ac:chgData name="Luca Congiu" userId="f2703dcca2bc319d" providerId="LiveId" clId="{610B0C6E-A672-4434-B8B8-6F6E878A9920}" dt="2019-05-12T20:42:32.044" v="466" actId="27636"/>
-          <ac:spMkLst>
-            <pc:docMk/>
-            <pc:sldMk cId="909185628" sldId="259"/>
-            <ac:spMk id="5" creationId="{8CAE0EFC-B7FF-4C7D-BF02-BDDAEA8577D3}"/>
-          </ac:spMkLst>
-        </pc:spChg>
-        <pc:spChg chg="add mod">
-          <ac:chgData name="Luca Congiu" userId="f2703dcca2bc319d" providerId="LiveId" clId="{610B0C6E-A672-4434-B8B8-6F6E878A9920}" dt="2019-05-12T20:42:31.954" v="465"/>
-          <ac:spMkLst>
-            <pc:docMk/>
-            <pc:sldMk cId="909185628" sldId="259"/>
-            <ac:spMk id="6" creationId="{2473D9E2-DEFE-412D-9A18-924B8EECBE47}"/>
-          </ac:spMkLst>
-        </pc:spChg>
-      </pc:sldChg>
-      <pc:sldChg chg="modSp add">
-        <pc:chgData name="Luca Congiu" userId="f2703dcca2bc319d" providerId="LiveId" clId="{610B0C6E-A672-4434-B8B8-6F6E878A9920}" dt="2019-05-12T20:42:48.256" v="468" actId="27636"/>
-        <pc:sldMkLst>
-          <pc:docMk/>
-          <pc:sldMk cId="3417245344" sldId="260"/>
-        </pc:sldMkLst>
-        <pc:spChg chg="mod">
-          <ac:chgData name="Luca Congiu" userId="f2703dcca2bc319d" providerId="LiveId" clId="{610B0C6E-A672-4434-B8B8-6F6E878A9920}" dt="2019-05-12T20:42:48.256" v="468" actId="27636"/>
-          <ac:spMkLst>
-            <pc:docMk/>
-            <pc:sldMk cId="3417245344" sldId="260"/>
-            <ac:spMk id="2" creationId="{E930828C-9A30-4F4F-9B1D-41435CCCA054}"/>
-          </ac:spMkLst>
-        </pc:spChg>
-      </pc:sldChg>
-      <pc:sldChg chg="modSp add">
-        <pc:chgData name="Luca Congiu" userId="f2703dcca2bc319d" providerId="LiveId" clId="{610B0C6E-A672-4434-B8B8-6F6E878A9920}" dt="2019-05-12T20:42:59.876" v="470" actId="27636"/>
-        <pc:sldMkLst>
-          <pc:docMk/>
-          <pc:sldMk cId="3575452940" sldId="261"/>
-        </pc:sldMkLst>
-        <pc:spChg chg="mod">
-          <ac:chgData name="Luca Congiu" userId="f2703dcca2bc319d" providerId="LiveId" clId="{610B0C6E-A672-4434-B8B8-6F6E878A9920}" dt="2019-05-12T20:42:59.876" v="470" actId="27636"/>
-          <ac:spMkLst>
-            <pc:docMk/>
-            <pc:sldMk cId="3575452940" sldId="261"/>
-            <ac:spMk id="2" creationId="{0E689928-B287-4F6F-9288-1DE7ADE2F318}"/>
-          </ac:spMkLst>
-        </pc:spChg>
-      </pc:sldChg>
-      <pc:sldChg chg="add">
-        <pc:chgData name="Luca Congiu" userId="f2703dcca2bc319d" providerId="LiveId" clId="{610B0C6E-A672-4434-B8B8-6F6E878A9920}" dt="2019-05-12T20:43:06.430" v="471"/>
-        <pc:sldMkLst>
-          <pc:docMk/>
-          <pc:sldMk cId="1505138080" sldId="262"/>
-        </pc:sldMkLst>
-      </pc:sldChg>
-      <pc:sldChg chg="modSp add ord">
-        <pc:chgData name="Luca Congiu" userId="f2703dcca2bc319d" providerId="LiveId" clId="{610B0C6E-A672-4434-B8B8-6F6E878A9920}" dt="2019-05-12T20:50:54.740" v="508" actId="403"/>
-        <pc:sldMkLst>
-          <pc:docMk/>
-          <pc:sldMk cId="1356531702" sldId="263"/>
-        </pc:sldMkLst>
-        <pc:spChg chg="mod">
-          <ac:chgData name="Luca Congiu" userId="f2703dcca2bc319d" providerId="LiveId" clId="{610B0C6E-A672-4434-B8B8-6F6E878A9920}" dt="2019-05-12T20:50:54.740" v="508" actId="403"/>
-          <ac:spMkLst>
-            <pc:docMk/>
-            <pc:sldMk cId="1356531702" sldId="263"/>
-            <ac:spMk id="6" creationId="{2473D9E2-DEFE-412D-9A18-924B8EECBE47}"/>
-          </ac:spMkLst>
-        </pc:spChg>
-      </pc:sldChg>
-      <pc:sldChg chg="addSp delSp modSp add del ord">
-        <pc:chgData name="Luca Congiu" userId="f2703dcca2bc319d" providerId="LiveId" clId="{610B0C6E-A672-4434-B8B8-6F6E878A9920}" dt="2019-05-12T20:50:12.494" v="480" actId="2696"/>
-        <pc:sldMkLst>
-          <pc:docMk/>
-          <pc:sldMk cId="2497886224" sldId="263"/>
-        </pc:sldMkLst>
-        <pc:spChg chg="del mod">
-          <ac:chgData name="Luca Congiu" userId="f2703dcca2bc319d" providerId="LiveId" clId="{610B0C6E-A672-4434-B8B8-6F6E878A9920}" dt="2019-05-12T20:43:57.097" v="477"/>
-          <ac:spMkLst>
-            <pc:docMk/>
-            <pc:sldMk cId="2497886224" sldId="263"/>
-            <ac:spMk id="2" creationId="{C74BB7E7-3B6C-4FC3-BFB2-D4A7AF1E8813}"/>
-          </ac:spMkLst>
-        </pc:spChg>
-        <pc:spChg chg="add mod">
-          <ac:chgData name="Luca Congiu" userId="f2703dcca2bc319d" providerId="LiveId" clId="{610B0C6E-A672-4434-B8B8-6F6E878A9920}" dt="2019-05-12T20:43:57.194" v="478" actId="27636"/>
-          <ac:spMkLst>
-            <pc:docMk/>
-            <pc:sldMk cId="2497886224" sldId="263"/>
-            <ac:spMk id="3" creationId="{27B116DE-9A0F-498E-9F62-69E807C19D0E}"/>
-          </ac:spMkLst>
-        </pc:spChg>
-      </pc:sldChg>
-      <pc:sldMasterChg chg="delSldLayout modSldLayout">
-        <pc:chgData name="Luca Congiu" userId="f2703dcca2bc319d" providerId="LiveId" clId="{610B0C6E-A672-4434-B8B8-6F6E878A9920}" dt="2019-05-12T19:56:06.415" v="8" actId="2696"/>
-        <pc:sldMasterMkLst>
-          <pc:docMk/>
-          <pc:sldMasterMk cId="3482103089" sldId="2147483648"/>
-        </pc:sldMasterMkLst>
-        <pc:sldLayoutChg chg="addSp modSp del">
-          <pc:chgData name="Luca Congiu" userId="f2703dcca2bc319d" providerId="LiveId" clId="{610B0C6E-A672-4434-B8B8-6F6E878A9920}" dt="2019-05-12T19:56:06.415" v="8" actId="2696"/>
-          <pc:sldLayoutMkLst>
-            <pc:docMk/>
-            <pc:sldMasterMk cId="3482103089" sldId="2147483648"/>
-            <pc:sldLayoutMk cId="2812497473" sldId="2147483684"/>
-          </pc:sldLayoutMkLst>
-          <pc:spChg chg="mod">
-            <ac:chgData name="Luca Congiu" userId="f2703dcca2bc319d" providerId="LiveId" clId="{610B0C6E-A672-4434-B8B8-6F6E878A9920}" dt="2019-05-12T19:54:41.107" v="1" actId="14100"/>
-            <ac:spMkLst>
-              <pc:docMk/>
-              <pc:sldMasterMk cId="3482103089" sldId="2147483648"/>
-              <pc:sldLayoutMk cId="2812497473" sldId="2147483684"/>
-              <ac:spMk id="2" creationId="{033F49EB-E3B3-420C-BF7F-F7F7E528EA54}"/>
-            </ac:spMkLst>
-          </pc:spChg>
-          <pc:spChg chg="add mod ord">
-            <ac:chgData name="Luca Congiu" userId="f2703dcca2bc319d" providerId="LiveId" clId="{610B0C6E-A672-4434-B8B8-6F6E878A9920}" dt="2019-05-12T19:55:33.385" v="7" actId="14100"/>
-            <ac:spMkLst>
-              <pc:docMk/>
-              <pc:sldMasterMk cId="3482103089" sldId="2147483648"/>
-              <pc:sldLayoutMk cId="2812497473" sldId="2147483684"/>
-              <ac:spMk id="5" creationId="{B40AA86A-0A6B-44BE-845E-F75C777603F4}"/>
-            </ac:spMkLst>
-          </pc:spChg>
-        </pc:sldLayoutChg>
-      </pc:sldMasterChg>
-      <pc:sldMasterChg chg="modSldLayout">
-        <pc:chgData name="Luca Congiu" userId="f2703dcca2bc319d" providerId="LiveId" clId="{610B0C6E-A672-4434-B8B8-6F6E878A9920}" dt="2019-05-12T20:33:24.533" v="397" actId="122"/>
-        <pc:sldMasterMkLst>
-          <pc:docMk/>
-          <pc:sldMasterMk cId="3523896855" sldId="2147483672"/>
-        </pc:sldMasterMkLst>
-        <pc:sldLayoutChg chg="modSp">
-          <pc:chgData name="Luca Congiu" userId="f2703dcca2bc319d" providerId="LiveId" clId="{610B0C6E-A672-4434-B8B8-6F6E878A9920}" dt="2019-05-12T20:11:08.482" v="161" actId="14100"/>
-          <pc:sldLayoutMkLst>
-            <pc:docMk/>
-            <pc:sldMasterMk cId="3523896855" sldId="2147483672"/>
-            <pc:sldLayoutMk cId="2723520173" sldId="2147483678"/>
-          </pc:sldLayoutMkLst>
-          <pc:spChg chg="mod">
-            <ac:chgData name="Luca Congiu" userId="f2703dcca2bc319d" providerId="LiveId" clId="{610B0C6E-A672-4434-B8B8-6F6E878A9920}" dt="2019-05-12T20:11:08.482" v="161" actId="14100"/>
-            <ac:spMkLst>
-              <pc:docMk/>
-              <pc:sldMasterMk cId="3523896855" sldId="2147483672"/>
-              <pc:sldLayoutMk cId="2723520173" sldId="2147483678"/>
-              <ac:spMk id="5" creationId="{5F8448A6-BA0D-48F5-901B-CA9C0E8926F6}"/>
-            </ac:spMkLst>
-          </pc:spChg>
-        </pc:sldLayoutChg>
-        <pc:sldLayoutChg chg="addSp modSp setBg">
-          <pc:chgData name="Luca Congiu" userId="f2703dcca2bc319d" providerId="LiveId" clId="{610B0C6E-A672-4434-B8B8-6F6E878A9920}" dt="2019-05-12T20:33:24.533" v="397" actId="122"/>
-          <pc:sldLayoutMkLst>
-            <pc:docMk/>
-            <pc:sldMasterMk cId="3523896855" sldId="2147483672"/>
-            <pc:sldLayoutMk cId="1986377511" sldId="2147483706"/>
-          </pc:sldLayoutMkLst>
-          <pc:spChg chg="mod">
-            <ac:chgData name="Luca Congiu" userId="f2703dcca2bc319d" providerId="LiveId" clId="{610B0C6E-A672-4434-B8B8-6F6E878A9920}" dt="2019-05-12T20:26:09.939" v="347"/>
-            <ac:spMkLst>
-              <pc:docMk/>
-              <pc:sldMasterMk cId="3523896855" sldId="2147483672"/>
-              <pc:sldLayoutMk cId="1986377511" sldId="2147483706"/>
-              <ac:spMk id="2" creationId="{9AA4FEEB-698F-4425-B0B5-04B44DD26685}"/>
-            </ac:spMkLst>
-          </pc:spChg>
-          <pc:spChg chg="mod">
-            <ac:chgData name="Luca Congiu" userId="f2703dcca2bc319d" providerId="LiveId" clId="{610B0C6E-A672-4434-B8B8-6F6E878A9920}" dt="2019-05-12T20:26:09.939" v="347"/>
-            <ac:spMkLst>
-              <pc:docMk/>
-              <pc:sldMasterMk cId="3523896855" sldId="2147483672"/>
-              <pc:sldLayoutMk cId="1986377511" sldId="2147483706"/>
-              <ac:spMk id="3" creationId="{A808C588-861E-4776-BAF7-1915498CD4DA}"/>
-            </ac:spMkLst>
-          </pc:spChg>
-          <pc:spChg chg="mod">
-            <ac:chgData name="Luca Congiu" userId="f2703dcca2bc319d" providerId="LiveId" clId="{610B0C6E-A672-4434-B8B8-6F6E878A9920}" dt="2019-05-12T20:33:24.533" v="397" actId="122"/>
-            <ac:spMkLst>
-              <pc:docMk/>
-              <pc:sldMasterMk cId="3523896855" sldId="2147483672"/>
-              <pc:sldLayoutMk cId="1986377511" sldId="2147483706"/>
-              <ac:spMk id="6" creationId="{C7F748ED-3297-4773-9955-327DA3AD0B33}"/>
-            </ac:spMkLst>
-          </pc:spChg>
-          <pc:picChg chg="add mod">
-            <ac:chgData name="Luca Congiu" userId="f2703dcca2bc319d" providerId="LiveId" clId="{610B0C6E-A672-4434-B8B8-6F6E878A9920}" dt="2019-05-12T20:25:27.825" v="342" actId="14100"/>
-            <ac:picMkLst>
-              <pc:docMk/>
-              <pc:sldMasterMk cId="3523896855" sldId="2147483672"/>
-              <pc:sldLayoutMk cId="1986377511" sldId="2147483706"/>
-              <ac:picMk id="5" creationId="{722A8524-7FE9-45F2-ADA9-A2F63D65BDF5}"/>
-            </ac:picMkLst>
-          </pc:picChg>
-          <pc:picChg chg="add mod">
-            <ac:chgData name="Luca Congiu" userId="f2703dcca2bc319d" providerId="LiveId" clId="{610B0C6E-A672-4434-B8B8-6F6E878A9920}" dt="2019-05-12T20:25:59.563" v="346" actId="1076"/>
-            <ac:picMkLst>
-              <pc:docMk/>
-              <pc:sldMasterMk cId="3523896855" sldId="2147483672"/>
-              <pc:sldLayoutMk cId="1986377511" sldId="2147483706"/>
-              <ac:picMk id="7" creationId="{E06A4069-F726-4503-98B9-94A133FC05FE}"/>
-            </ac:picMkLst>
-          </pc:picChg>
-        </pc:sldLayoutChg>
-      </pc:sldMasterChg>
-      <pc:sldMasterChg chg="addSp modSp">
-        <pc:chgData name="Luca Congiu" userId="f2703dcca2bc319d" providerId="LiveId" clId="{610B0C6E-A672-4434-B8B8-6F6E878A9920}" dt="2019-05-12T19:53:44.186" v="0"/>
-        <pc:sldMasterMkLst>
-          <pc:docMk/>
-          <pc:sldMasterMk cId="146179455" sldId="2147483684"/>
-        </pc:sldMasterMkLst>
-        <pc:spChg chg="add mod">
-          <ac:chgData name="Luca Congiu" userId="f2703dcca2bc319d" providerId="LiveId" clId="{610B0C6E-A672-4434-B8B8-6F6E878A9920}" dt="2019-05-12T19:53:44.186" v="0"/>
-          <ac:spMkLst>
-            <pc:docMk/>
-            <pc:sldMasterMk cId="146179455" sldId="2147483684"/>
-            <ac:spMk id="2" creationId="{1C4FD839-9547-4F27-93B1-F58276595708}"/>
-          </ac:spMkLst>
-        </pc:spChg>
-        <pc:spChg chg="add mod">
-          <ac:chgData name="Luca Congiu" userId="f2703dcca2bc319d" providerId="LiveId" clId="{610B0C6E-A672-4434-B8B8-6F6E878A9920}" dt="2019-05-12T19:53:44.186" v="0"/>
-          <ac:spMkLst>
-            <pc:docMk/>
-            <pc:sldMasterMk cId="146179455" sldId="2147483684"/>
-            <ac:spMk id="3" creationId="{2CDC860E-B4E3-4E56-AC0C-46DAC0BDE710}"/>
-          </ac:spMkLst>
-        </pc:spChg>
-        <pc:spChg chg="add mod">
-          <ac:chgData name="Luca Congiu" userId="f2703dcca2bc319d" providerId="LiveId" clId="{610B0C6E-A672-4434-B8B8-6F6E878A9920}" dt="2019-05-12T19:53:44.186" v="0"/>
-          <ac:spMkLst>
-            <pc:docMk/>
-            <pc:sldMasterMk cId="146179455" sldId="2147483684"/>
-            <ac:spMk id="4" creationId="{77B7CD2E-1EB6-4FF7-815D-0C92DD35EF01}"/>
-          </ac:spMkLst>
-        </pc:spChg>
-        <pc:spChg chg="add mod">
-          <ac:chgData name="Luca Congiu" userId="f2703dcca2bc319d" providerId="LiveId" clId="{610B0C6E-A672-4434-B8B8-6F6E878A9920}" dt="2019-05-12T19:53:44.186" v="0"/>
-          <ac:spMkLst>
-            <pc:docMk/>
-            <pc:sldMasterMk cId="146179455" sldId="2147483684"/>
-            <ac:spMk id="5" creationId="{9A9BA7B1-12CD-4EA5-B23F-B1DEF897D66C}"/>
-          </ac:spMkLst>
-        </pc:spChg>
-        <pc:spChg chg="add mod">
-          <ac:chgData name="Luca Congiu" userId="f2703dcca2bc319d" providerId="LiveId" clId="{610B0C6E-A672-4434-B8B8-6F6E878A9920}" dt="2019-05-12T19:53:44.186" v="0"/>
-          <ac:spMkLst>
-            <pc:docMk/>
-            <pc:sldMasterMk cId="146179455" sldId="2147483684"/>
-            <ac:spMk id="6" creationId="{D8A6DF5A-DDA1-4E38-8B79-AABE81F62C92}"/>
-          </ac:spMkLst>
-        </pc:spChg>
-      </pc:sldMasterChg>
-      <pc:sldMasterChg chg="addSp delSp modSp setBg delSldLayout modSldLayout">
-        <pc:chgData name="Luca Congiu" userId="f2703dcca2bc319d" providerId="LiveId" clId="{610B0C6E-A672-4434-B8B8-6F6E878A9920}" dt="2019-05-12T20:34:27.077" v="404" actId="20577"/>
-        <pc:sldMasterMkLst>
-          <pc:docMk/>
-          <pc:sldMasterMk cId="1506542201" sldId="2147483684"/>
-        </pc:sldMasterMkLst>
-        <pc:spChg chg="add del mod">
-          <ac:chgData name="Luca Congiu" userId="f2703dcca2bc319d" providerId="LiveId" clId="{610B0C6E-A672-4434-B8B8-6F6E878A9920}" dt="2019-05-12T19:56:44.950" v="11" actId="478"/>
-          <ac:spMkLst>
-            <pc:docMk/>
-            <pc:sldMasterMk cId="1506542201" sldId="2147483684"/>
-            <ac:spMk id="2" creationId="{30E91237-7D01-4FEE-918B-216F91890AB8}"/>
-          </ac:spMkLst>
-        </pc:spChg>
-        <pc:spChg chg="add del mod">
-          <ac:chgData name="Luca Congiu" userId="f2703dcca2bc319d" providerId="LiveId" clId="{610B0C6E-A672-4434-B8B8-6F6E878A9920}" dt="2019-05-12T19:56:47.273" v="12" actId="478"/>
-          <ac:spMkLst>
-            <pc:docMk/>
-            <pc:sldMasterMk cId="1506542201" sldId="2147483684"/>
-            <ac:spMk id="3" creationId="{B97FF2B5-D3DC-4812-8E96-D9FF4444C60B}"/>
-          </ac:spMkLst>
-        </pc:spChg>
-        <pc:spChg chg="add del mod">
-          <ac:chgData name="Luca Congiu" userId="f2703dcca2bc319d" providerId="LiveId" clId="{610B0C6E-A672-4434-B8B8-6F6E878A9920}" dt="2019-05-12T19:56:58.349" v="15" actId="478"/>
-          <ac:spMkLst>
-            <pc:docMk/>
-            <pc:sldMasterMk cId="1506542201" sldId="2147483684"/>
-            <ac:spMk id="4" creationId="{C0896F77-E83B-4199-9334-B42AEE05905E}"/>
-          </ac:spMkLst>
-        </pc:spChg>
-        <pc:spChg chg="add del mod">
-          <ac:chgData name="Luca Congiu" userId="f2703dcca2bc319d" providerId="LiveId" clId="{610B0C6E-A672-4434-B8B8-6F6E878A9920}" dt="2019-05-12T19:56:55.658" v="14" actId="478"/>
-          <ac:spMkLst>
-            <pc:docMk/>
-            <pc:sldMasterMk cId="1506542201" sldId="2147483684"/>
-            <ac:spMk id="5" creationId="{724444EF-F93C-483E-B970-9481EA796E68}"/>
-          </ac:spMkLst>
-        </pc:spChg>
-        <pc:spChg chg="add del mod">
-          <ac:chgData name="Luca Congiu" userId="f2703dcca2bc319d" providerId="LiveId" clId="{610B0C6E-A672-4434-B8B8-6F6E878A9920}" dt="2019-05-12T19:56:53.517" v="13" actId="478"/>
-          <ac:spMkLst>
-            <pc:docMk/>
-            <pc:sldMasterMk cId="1506542201" sldId="2147483684"/>
-            <ac:spMk id="6" creationId="{5639F352-875C-4671-A8DA-002ED21874D8}"/>
-          </ac:spMkLst>
-        </pc:spChg>
-        <pc:picChg chg="add">
-          <ac:chgData name="Luca Congiu" userId="f2703dcca2bc319d" providerId="LiveId" clId="{610B0C6E-A672-4434-B8B8-6F6E878A9920}" dt="2019-05-12T19:57:24.146" v="16"/>
-          <ac:picMkLst>
-            <pc:docMk/>
-            <pc:sldMasterMk cId="1506542201" sldId="2147483684"/>
-            <ac:picMk id="7" creationId="{8FA54CC7-9A7A-4045-B6C3-58856AE6AEB3}"/>
-          </ac:picMkLst>
-        </pc:picChg>
-        <pc:sldLayoutChg chg="addSp delSp modSp setBg">
-          <pc:chgData name="Luca Congiu" userId="f2703dcca2bc319d" providerId="LiveId" clId="{610B0C6E-A672-4434-B8B8-6F6E878A9920}" dt="2019-05-12T20:20:59.237" v="294" actId="20577"/>
-          <pc:sldLayoutMkLst>
-            <pc:docMk/>
-            <pc:sldMasterMk cId="1506542201" sldId="2147483684"/>
-            <pc:sldLayoutMk cId="3455647092" sldId="2147483685"/>
-          </pc:sldLayoutMkLst>
-          <pc:spChg chg="del">
-            <ac:chgData name="Luca Congiu" userId="f2703dcca2bc319d" providerId="LiveId" clId="{610B0C6E-A672-4434-B8B8-6F6E878A9920}" dt="2019-05-12T19:57:49.573" v="17" actId="478"/>
-            <ac:spMkLst>
-              <pc:docMk/>
-              <pc:sldMasterMk cId="1506542201" sldId="2147483684"/>
-              <pc:sldLayoutMk cId="3455647092" sldId="2147483685"/>
-              <ac:spMk id="2" creationId="{2198ABFB-A721-47F0-A58F-9C11EB3FBC6C}"/>
-            </ac:spMkLst>
-          </pc:spChg>
-          <pc:spChg chg="del">
-            <ac:chgData name="Luca Congiu" userId="f2703dcca2bc319d" providerId="LiveId" clId="{610B0C6E-A672-4434-B8B8-6F6E878A9920}" dt="2019-05-12T19:57:51.081" v="18" actId="478"/>
-            <ac:spMkLst>
-              <pc:docMk/>
-              <pc:sldMasterMk cId="1506542201" sldId="2147483684"/>
-              <pc:sldLayoutMk cId="3455647092" sldId="2147483685"/>
-              <ac:spMk id="3" creationId="{77013DC8-8129-49F1-89B4-84A30A01CAF5}"/>
-            </ac:spMkLst>
-          </pc:spChg>
-          <pc:spChg chg="del">
-            <ac:chgData name="Luca Congiu" userId="f2703dcca2bc319d" providerId="LiveId" clId="{610B0C6E-A672-4434-B8B8-6F6E878A9920}" dt="2019-05-12T19:57:57.050" v="21" actId="478"/>
-            <ac:spMkLst>
-              <pc:docMk/>
-              <pc:sldMasterMk cId="1506542201" sldId="2147483684"/>
-              <pc:sldLayoutMk cId="3455647092" sldId="2147483685"/>
-              <ac:spMk id="4" creationId="{481D1B69-5097-43A4-AC77-9965E2F2668F}"/>
-            </ac:spMkLst>
-          </pc:spChg>
-          <pc:spChg chg="del">
-            <ac:chgData name="Luca Congiu" userId="f2703dcca2bc319d" providerId="LiveId" clId="{610B0C6E-A672-4434-B8B8-6F6E878A9920}" dt="2019-05-12T19:57:52.932" v="19" actId="478"/>
-            <ac:spMkLst>
-              <pc:docMk/>
-              <pc:sldMasterMk cId="1506542201" sldId="2147483684"/>
-              <pc:sldLayoutMk cId="3455647092" sldId="2147483685"/>
-              <ac:spMk id="5" creationId="{136BDBA8-F776-40F9-AF9E-115F4C6CC561}"/>
-            </ac:spMkLst>
-          </pc:spChg>
-          <pc:spChg chg="del">
-            <ac:chgData name="Luca Congiu" userId="f2703dcca2bc319d" providerId="LiveId" clId="{610B0C6E-A672-4434-B8B8-6F6E878A9920}" dt="2019-05-12T19:57:55.619" v="20" actId="478"/>
-            <ac:spMkLst>
-              <pc:docMk/>
-              <pc:sldMasterMk cId="1506542201" sldId="2147483684"/>
-              <pc:sldLayoutMk cId="3455647092" sldId="2147483685"/>
-              <ac:spMk id="6" creationId="{776547F8-490E-4CC7-918D-A463817673FC}"/>
-            </ac:spMkLst>
-          </pc:spChg>
-          <pc:spChg chg="add del mod">
-            <ac:chgData name="Luca Congiu" userId="f2703dcca2bc319d" providerId="LiveId" clId="{610B0C6E-A672-4434-B8B8-6F6E878A9920}" dt="2019-05-12T20:05:52.499" v="102" actId="478"/>
-            <ac:spMkLst>
-              <pc:docMk/>
-              <pc:sldMasterMk cId="1506542201" sldId="2147483684"/>
-              <pc:sldLayoutMk cId="3455647092" sldId="2147483685"/>
-              <ac:spMk id="7" creationId="{2187FA74-BB0F-49CA-A786-880E28617F6E}"/>
-            </ac:spMkLst>
-          </pc:spChg>
-          <pc:spChg chg="add del mod">
-            <ac:chgData name="Luca Congiu" userId="f2703dcca2bc319d" providerId="LiveId" clId="{610B0C6E-A672-4434-B8B8-6F6E878A9920}" dt="2019-05-12T20:06:28.876" v="107" actId="1076"/>
-            <ac:spMkLst>
-              <pc:docMk/>
-              <pc:sldMasterMk cId="1506542201" sldId="2147483684"/>
-              <pc:sldLayoutMk cId="3455647092" sldId="2147483685"/>
-              <ac:spMk id="8" creationId="{1B3740AF-E675-42BE-A189-ABCECA1A81AE}"/>
-            </ac:spMkLst>
-          </pc:spChg>
-          <pc:spChg chg="add del mod">
-            <ac:chgData name="Luca Congiu" userId="f2703dcca2bc319d" providerId="LiveId" clId="{610B0C6E-A672-4434-B8B8-6F6E878A9920}" dt="2019-05-12T20:05:48.288" v="101" actId="478"/>
-            <ac:spMkLst>
-              <pc:docMk/>
-              <pc:sldMasterMk cId="1506542201" sldId="2147483684"/>
-              <pc:sldLayoutMk cId="3455647092" sldId="2147483685"/>
-              <ac:spMk id="9" creationId="{83D31708-A1D3-4D43-8745-EE8F0B384792}"/>
-            </ac:spMkLst>
-          </pc:spChg>
-          <pc:spChg chg="add mod">
-            <ac:chgData name="Luca Congiu" userId="f2703dcca2bc319d" providerId="LiveId" clId="{610B0C6E-A672-4434-B8B8-6F6E878A9920}" dt="2019-05-12T20:20:59.237" v="294" actId="20577"/>
-            <ac:spMkLst>
-              <pc:docMk/>
-              <pc:sldMasterMk cId="1506542201" sldId="2147483684"/>
-              <pc:sldLayoutMk cId="3455647092" sldId="2147483685"/>
-              <ac:spMk id="10" creationId="{51E6DB1A-82C4-4D31-BAD7-53B0226442FB}"/>
-            </ac:spMkLst>
-          </pc:spChg>
-          <pc:spChg chg="add mod">
-            <ac:chgData name="Luca Congiu" userId="f2703dcca2bc319d" providerId="LiveId" clId="{610B0C6E-A672-4434-B8B8-6F6E878A9920}" dt="2019-05-12T20:06:25.621" v="106" actId="1076"/>
-            <ac:spMkLst>
-              <pc:docMk/>
-              <pc:sldMasterMk cId="1506542201" sldId="2147483684"/>
-              <pc:sldLayoutMk cId="3455647092" sldId="2147483685"/>
-              <ac:spMk id="11" creationId="{9024054E-FC58-4A9F-88D6-B1508DD55DBB}"/>
-            </ac:spMkLst>
-          </pc:spChg>
-          <pc:spChg chg="add mod">
-            <ac:chgData name="Luca Congiu" userId="f2703dcca2bc319d" providerId="LiveId" clId="{610B0C6E-A672-4434-B8B8-6F6E878A9920}" dt="2019-05-12T20:07:09.526" v="131" actId="1076"/>
-            <ac:spMkLst>
-              <pc:docMk/>
-              <pc:sldMasterMk cId="1506542201" sldId="2147483684"/>
-              <pc:sldLayoutMk cId="3455647092" sldId="2147483685"/>
-              <ac:spMk id="12" creationId="{9E73A9E7-9566-4807-80F0-C8A8ACDB8D9B}"/>
-            </ac:spMkLst>
-          </pc:spChg>
-        </pc:sldLayoutChg>
-        <pc:sldLayoutChg chg="del">
-          <pc:chgData name="Luca Congiu" userId="f2703dcca2bc319d" providerId="LiveId" clId="{610B0C6E-A672-4434-B8B8-6F6E878A9920}" dt="2019-05-12T20:12:00.895" v="172" actId="2696"/>
-          <pc:sldLayoutMkLst>
-            <pc:docMk/>
-            <pc:sldMasterMk cId="1506542201" sldId="2147483684"/>
-            <pc:sldLayoutMk cId="3394690519" sldId="2147483686"/>
-          </pc:sldLayoutMkLst>
-        </pc:sldLayoutChg>
-        <pc:sldLayoutChg chg="del">
-          <pc:chgData name="Luca Congiu" userId="f2703dcca2bc319d" providerId="LiveId" clId="{610B0C6E-A672-4434-B8B8-6F6E878A9920}" dt="2019-05-12T20:12:00.917" v="173" actId="2696"/>
-          <pc:sldLayoutMkLst>
-            <pc:docMk/>
-            <pc:sldMasterMk cId="1506542201" sldId="2147483684"/>
-            <pc:sldLayoutMk cId="1390867019" sldId="2147483687"/>
-          </pc:sldLayoutMkLst>
-        </pc:sldLayoutChg>
-        <pc:sldLayoutChg chg="del">
-          <pc:chgData name="Luca Congiu" userId="f2703dcca2bc319d" providerId="LiveId" clId="{610B0C6E-A672-4434-B8B8-6F6E878A9920}" dt="2019-05-12T20:12:00.945" v="174" actId="2696"/>
-          <pc:sldLayoutMkLst>
-            <pc:docMk/>
-            <pc:sldMasterMk cId="1506542201" sldId="2147483684"/>
-            <pc:sldLayoutMk cId="3560992505" sldId="2147483688"/>
-          </pc:sldLayoutMkLst>
-        </pc:sldLayoutChg>
-        <pc:sldLayoutChg chg="del">
-          <pc:chgData name="Luca Congiu" userId="f2703dcca2bc319d" providerId="LiveId" clId="{610B0C6E-A672-4434-B8B8-6F6E878A9920}" dt="2019-05-12T20:12:00.958" v="175" actId="2696"/>
-          <pc:sldLayoutMkLst>
-            <pc:docMk/>
-            <pc:sldMasterMk cId="1506542201" sldId="2147483684"/>
-            <pc:sldLayoutMk cId="43078855" sldId="2147483689"/>
-          </pc:sldLayoutMkLst>
-        </pc:sldLayoutChg>
-        <pc:sldLayoutChg chg="del">
-          <pc:chgData name="Luca Congiu" userId="f2703dcca2bc319d" providerId="LiveId" clId="{610B0C6E-A672-4434-B8B8-6F6E878A9920}" dt="2019-05-12T20:12:00.970" v="176" actId="2696"/>
-          <pc:sldLayoutMkLst>
-            <pc:docMk/>
-            <pc:sldMasterMk cId="1506542201" sldId="2147483684"/>
-            <pc:sldLayoutMk cId="4106643079" sldId="2147483690"/>
-          </pc:sldLayoutMkLst>
-        </pc:sldLayoutChg>
-        <pc:sldLayoutChg chg="del">
-          <pc:chgData name="Luca Congiu" userId="f2703dcca2bc319d" providerId="LiveId" clId="{610B0C6E-A672-4434-B8B8-6F6E878A9920}" dt="2019-05-12T20:12:00.990" v="177" actId="2696"/>
-          <pc:sldLayoutMkLst>
-            <pc:docMk/>
-            <pc:sldMasterMk cId="1506542201" sldId="2147483684"/>
-            <pc:sldLayoutMk cId="134127915" sldId="2147483691"/>
-          </pc:sldLayoutMkLst>
-        </pc:sldLayoutChg>
-        <pc:sldLayoutChg chg="del">
-          <pc:chgData name="Luca Congiu" userId="f2703dcca2bc319d" providerId="LiveId" clId="{610B0C6E-A672-4434-B8B8-6F6E878A9920}" dt="2019-05-12T20:12:01.005" v="178" actId="2696"/>
-          <pc:sldLayoutMkLst>
-            <pc:docMk/>
-            <pc:sldMasterMk cId="1506542201" sldId="2147483684"/>
-            <pc:sldLayoutMk cId="547859669" sldId="2147483692"/>
-          </pc:sldLayoutMkLst>
-        </pc:sldLayoutChg>
-        <pc:sldLayoutChg chg="del">
-          <pc:chgData name="Luca Congiu" userId="f2703dcca2bc319d" providerId="LiveId" clId="{610B0C6E-A672-4434-B8B8-6F6E878A9920}" dt="2019-05-12T20:12:01.022" v="179" actId="2696"/>
-          <pc:sldLayoutMkLst>
-            <pc:docMk/>
-            <pc:sldMasterMk cId="1506542201" sldId="2147483684"/>
-            <pc:sldLayoutMk cId="2537510272" sldId="2147483693"/>
-          </pc:sldLayoutMkLst>
-        </pc:sldLayoutChg>
-        <pc:sldLayoutChg chg="del">
-          <pc:chgData name="Luca Congiu" userId="f2703dcca2bc319d" providerId="LiveId" clId="{610B0C6E-A672-4434-B8B8-6F6E878A9920}" dt="2019-05-12T20:12:01.040" v="180" actId="2696"/>
-          <pc:sldLayoutMkLst>
-            <pc:docMk/>
-            <pc:sldMasterMk cId="1506542201" sldId="2147483684"/>
-            <pc:sldLayoutMk cId="953794367" sldId="2147483694"/>
-          </pc:sldLayoutMkLst>
-        </pc:sldLayoutChg>
-        <pc:sldLayoutChg chg="del">
-          <pc:chgData name="Luca Congiu" userId="f2703dcca2bc319d" providerId="LiveId" clId="{610B0C6E-A672-4434-B8B8-6F6E878A9920}" dt="2019-05-12T20:12:01.046" v="181" actId="2696"/>
-          <pc:sldLayoutMkLst>
-            <pc:docMk/>
-            <pc:sldMasterMk cId="1506542201" sldId="2147483684"/>
-            <pc:sldLayoutMk cId="3304313267" sldId="2147483695"/>
-          </pc:sldLayoutMkLst>
-        </pc:sldLayoutChg>
-        <pc:sldLayoutChg chg="addSp delSp modSp">
-          <pc:chgData name="Luca Congiu" userId="f2703dcca2bc319d" providerId="LiveId" clId="{610B0C6E-A672-4434-B8B8-6F6E878A9920}" dt="2019-05-12T20:03:32.178" v="80" actId="1076"/>
-          <pc:sldLayoutMkLst>
-            <pc:docMk/>
-            <pc:sldMasterMk cId="1506542201" sldId="2147483684"/>
-            <pc:sldLayoutMk cId="3811772887" sldId="2147483696"/>
-          </pc:sldLayoutMkLst>
-          <pc:spChg chg="del">
-            <ac:chgData name="Luca Congiu" userId="f2703dcca2bc319d" providerId="LiveId" clId="{610B0C6E-A672-4434-B8B8-6F6E878A9920}" dt="2019-05-12T20:02:45.929" v="75" actId="478"/>
-            <ac:spMkLst>
-              <pc:docMk/>
-              <pc:sldMasterMk cId="1506542201" sldId="2147483684"/>
-              <pc:sldLayoutMk cId="3811772887" sldId="2147483696"/>
-              <ac:spMk id="2" creationId="{85261A4A-0804-4D7D-BD4F-26BDA50A7076}"/>
-            </ac:spMkLst>
-          </pc:spChg>
-          <pc:picChg chg="add mod">
-            <ac:chgData name="Luca Congiu" userId="f2703dcca2bc319d" providerId="LiveId" clId="{610B0C6E-A672-4434-B8B8-6F6E878A9920}" dt="2019-05-12T20:03:32.178" v="80" actId="1076"/>
-            <ac:picMkLst>
-              <pc:docMk/>
-              <pc:sldMasterMk cId="1506542201" sldId="2147483684"/>
-              <pc:sldLayoutMk cId="3811772887" sldId="2147483696"/>
-              <ac:picMk id="4" creationId="{8B9FD137-DF97-44EB-B021-B781A4B2F56D}"/>
-            </ac:picMkLst>
-          </pc:picChg>
-        </pc:sldLayoutChg>
-        <pc:sldLayoutChg chg="addSp modSp">
-          <pc:chgData name="Luca Congiu" userId="f2703dcca2bc319d" providerId="LiveId" clId="{610B0C6E-A672-4434-B8B8-6F6E878A9920}" dt="2019-05-12T20:13:17.744" v="193" actId="1076"/>
-          <pc:sldLayoutMkLst>
-            <pc:docMk/>
-            <pc:sldMasterMk cId="1506542201" sldId="2147483684"/>
-            <pc:sldLayoutMk cId="798812372" sldId="2147483697"/>
-          </pc:sldLayoutMkLst>
-          <pc:spChg chg="add mod">
-            <ac:chgData name="Luca Congiu" userId="f2703dcca2bc319d" providerId="LiveId" clId="{610B0C6E-A672-4434-B8B8-6F6E878A9920}" dt="2019-05-12T20:08:45.794" v="142" actId="1076"/>
-            <ac:spMkLst>
-              <pc:docMk/>
-              <pc:sldMasterMk cId="1506542201" sldId="2147483684"/>
-              <pc:sldLayoutMk cId="798812372" sldId="2147483697"/>
-              <ac:spMk id="3" creationId="{3BC52BE1-DA7B-4B4B-A750-43DC5BAFD8E7}"/>
-            </ac:spMkLst>
-          </pc:spChg>
-          <pc:spChg chg="add mod">
-            <ac:chgData name="Luca Congiu" userId="f2703dcca2bc319d" providerId="LiveId" clId="{610B0C6E-A672-4434-B8B8-6F6E878A9920}" dt="2019-05-12T20:13:17.744" v="193" actId="1076"/>
-            <ac:spMkLst>
-              <pc:docMk/>
-              <pc:sldMasterMk cId="1506542201" sldId="2147483684"/>
-              <pc:sldLayoutMk cId="798812372" sldId="2147483697"/>
-              <ac:spMk id="5" creationId="{87C983A3-DC74-4C7F-BA9E-8FD9BACC7845}"/>
-            </ac:spMkLst>
-          </pc:spChg>
-          <pc:spChg chg="add mod ord">
-            <ac:chgData name="Luca Congiu" userId="f2703dcca2bc319d" providerId="LiveId" clId="{610B0C6E-A672-4434-B8B8-6F6E878A9920}" dt="2019-05-12T20:08:41.196" v="141" actId="1076"/>
-            <ac:spMkLst>
-              <pc:docMk/>
-              <pc:sldMasterMk cId="1506542201" sldId="2147483684"/>
-              <pc:sldLayoutMk cId="798812372" sldId="2147483697"/>
-              <ac:spMk id="6" creationId="{C27300C4-421D-4405-87C1-01BBAA9D102A}"/>
-            </ac:spMkLst>
-          </pc:spChg>
-          <pc:spChg chg="add mod">
-            <ac:chgData name="Luca Congiu" userId="f2703dcca2bc319d" providerId="LiveId" clId="{610B0C6E-A672-4434-B8B8-6F6E878A9920}" dt="2019-05-12T20:08:50.138" v="143" actId="1076"/>
-            <ac:spMkLst>
-              <pc:docMk/>
-              <pc:sldMasterMk cId="1506542201" sldId="2147483684"/>
-              <pc:sldLayoutMk cId="798812372" sldId="2147483697"/>
-              <ac:spMk id="7" creationId="{805D74D9-99C3-442C-94A0-2256DCB3A8AD}"/>
-            </ac:spMkLst>
-          </pc:spChg>
-          <pc:picChg chg="mod ord">
-            <ac:chgData name="Luca Congiu" userId="f2703dcca2bc319d" providerId="LiveId" clId="{610B0C6E-A672-4434-B8B8-6F6E878A9920}" dt="2019-05-12T20:07:36.388" v="137" actId="1076"/>
-            <ac:picMkLst>
-              <pc:docMk/>
-              <pc:sldMasterMk cId="1506542201" sldId="2147483684"/>
-              <pc:sldLayoutMk cId="798812372" sldId="2147483697"/>
-              <ac:picMk id="4" creationId="{8B9FD137-DF97-44EB-B021-B781A4B2F56D}"/>
-            </ac:picMkLst>
-          </pc:picChg>
-        </pc:sldLayoutChg>
-        <pc:sldLayoutChg chg="addSp delSp modSp setBg">
-          <pc:chgData name="Luca Congiu" userId="f2703dcca2bc319d" providerId="LiveId" clId="{610B0C6E-A672-4434-B8B8-6F6E878A9920}" dt="2019-05-12T20:12:40.067" v="182"/>
-          <pc:sldLayoutMkLst>
-            <pc:docMk/>
-            <pc:sldMasterMk cId="1506542201" sldId="2147483684"/>
-            <pc:sldLayoutMk cId="2049727950" sldId="2147483698"/>
-          </pc:sldLayoutMkLst>
-          <pc:spChg chg="del">
-            <ac:chgData name="Luca Congiu" userId="f2703dcca2bc319d" providerId="LiveId" clId="{610B0C6E-A672-4434-B8B8-6F6E878A9920}" dt="2019-05-12T20:09:09.835" v="145" actId="478"/>
-            <ac:spMkLst>
-              <pc:docMk/>
-              <pc:sldMasterMk cId="1506542201" sldId="2147483684"/>
-              <pc:sldLayoutMk cId="2049727950" sldId="2147483698"/>
-              <ac:spMk id="2" creationId="{EBF245B7-3695-4D8D-84DF-004493F806E9}"/>
-            </ac:spMkLst>
-          </pc:spChg>
-          <pc:spChg chg="add mod">
-            <ac:chgData name="Luca Congiu" userId="f2703dcca2bc319d" providerId="LiveId" clId="{610B0C6E-A672-4434-B8B8-6F6E878A9920}" dt="2019-05-12T20:11:40.659" v="171" actId="122"/>
-            <ac:spMkLst>
-              <pc:docMk/>
-              <pc:sldMasterMk cId="1506542201" sldId="2147483684"/>
-              <pc:sldLayoutMk cId="2049727950" sldId="2147483698"/>
-              <ac:spMk id="4" creationId="{A6C10EFC-5B15-4541-BF67-29984B125E7D}"/>
-            </ac:spMkLst>
-          </pc:spChg>
-          <pc:picChg chg="add mod">
-            <ac:chgData name="Luca Congiu" userId="f2703dcca2bc319d" providerId="LiveId" clId="{610B0C6E-A672-4434-B8B8-6F6E878A9920}" dt="2019-05-12T20:10:53.505" v="160" actId="1076"/>
-            <ac:picMkLst>
-              <pc:docMk/>
-              <pc:sldMasterMk cId="1506542201" sldId="2147483684"/>
-              <pc:sldLayoutMk cId="2049727950" sldId="2147483698"/>
-              <ac:picMk id="3" creationId="{10A40383-6BE9-4A38-84CE-E391022B5B46}"/>
-            </ac:picMkLst>
-          </pc:picChg>
-        </pc:sldLayoutChg>
-        <pc:sldLayoutChg chg="modSp">
-          <pc:chgData name="Luca Congiu" userId="f2703dcca2bc319d" providerId="LiveId" clId="{610B0C6E-A672-4434-B8B8-6F6E878A9920}" dt="2019-05-12T20:09:57.240" v="154" actId="20577"/>
-          <pc:sldLayoutMkLst>
-            <pc:docMk/>
-            <pc:sldMasterMk cId="1506542201" sldId="2147483684"/>
-            <pc:sldLayoutMk cId="3057511357" sldId="2147483699"/>
-          </pc:sldLayoutMkLst>
-          <pc:spChg chg="mod">
-            <ac:chgData name="Luca Congiu" userId="f2703dcca2bc319d" providerId="LiveId" clId="{610B0C6E-A672-4434-B8B8-6F6E878A9920}" dt="2019-05-12T20:09:57.240" v="154" actId="20577"/>
-            <ac:spMkLst>
-              <pc:docMk/>
-              <pc:sldMasterMk cId="1506542201" sldId="2147483684"/>
-              <pc:sldLayoutMk cId="3057511357" sldId="2147483699"/>
-              <ac:spMk id="4" creationId="{6B34FBF1-8022-4793-BD04-5A3F2FAB2B51}"/>
-            </ac:spMkLst>
-          </pc:spChg>
-        </pc:sldLayoutChg>
-        <pc:sldLayoutChg chg="modSp">
-          <pc:chgData name="Luca Congiu" userId="f2703dcca2bc319d" providerId="LiveId" clId="{610B0C6E-A672-4434-B8B8-6F6E878A9920}" dt="2019-05-12T20:34:27.077" v="404" actId="20577"/>
-          <pc:sldLayoutMkLst>
-            <pc:docMk/>
-            <pc:sldMasterMk cId="1506542201" sldId="2147483684"/>
-            <pc:sldLayoutMk cId="3929018980" sldId="2147483700"/>
-          </pc:sldLayoutMkLst>
-          <pc:spChg chg="mod">
-            <ac:chgData name="Luca Congiu" userId="f2703dcca2bc319d" providerId="LiveId" clId="{610B0C6E-A672-4434-B8B8-6F6E878A9920}" dt="2019-05-12T20:34:27.077" v="404" actId="20577"/>
-            <ac:spMkLst>
-              <pc:docMk/>
-              <pc:sldMasterMk cId="1506542201" sldId="2147483684"/>
-              <pc:sldLayoutMk cId="3929018980" sldId="2147483700"/>
-              <ac:spMk id="11" creationId="{00000000-0000-0000-0000-000000000000}"/>
-            </ac:spMkLst>
-          </pc:spChg>
-        </pc:sldLayoutChg>
-        <pc:sldLayoutChg chg="addSp modSp">
-          <pc:chgData name="Luca Congiu" userId="f2703dcca2bc319d" providerId="LiveId" clId="{610B0C6E-A672-4434-B8B8-6F6E878A9920}" dt="2019-05-12T20:29:23.208" v="363" actId="14100"/>
-          <pc:sldLayoutMkLst>
-            <pc:docMk/>
-            <pc:sldMasterMk cId="1506542201" sldId="2147483684"/>
-            <pc:sldLayoutMk cId="3147678995" sldId="2147483701"/>
-          </pc:sldLayoutMkLst>
-          <pc:spChg chg="add mod">
-            <ac:chgData name="Luca Congiu" userId="f2703dcca2bc319d" providerId="LiveId" clId="{610B0C6E-A672-4434-B8B8-6F6E878A9920}" dt="2019-05-12T20:29:23.208" v="363" actId="14100"/>
-            <ac:spMkLst>
-              <pc:docMk/>
-              <pc:sldMasterMk cId="1506542201" sldId="2147483684"/>
-              <pc:sldLayoutMk cId="3147678995" sldId="2147483701"/>
-              <ac:spMk id="2" creationId="{E39836AA-E138-48A5-BA71-0DF9A3EA6287}"/>
-            </ac:spMkLst>
-          </pc:spChg>
-        </pc:sldLayoutChg>
-        <pc:sldLayoutChg chg="modSp">
-          <pc:chgData name="Luca Congiu" userId="f2703dcca2bc319d" providerId="LiveId" clId="{610B0C6E-A672-4434-B8B8-6F6E878A9920}" dt="2019-05-12T20:16:48.323" v="269" actId="207"/>
-          <pc:sldLayoutMkLst>
-            <pc:docMk/>
-            <pc:sldMasterMk cId="1506542201" sldId="2147483684"/>
-            <pc:sldLayoutMk cId="20210373" sldId="2147483702"/>
-          </pc:sldLayoutMkLst>
-          <pc:spChg chg="mod">
-            <ac:chgData name="Luca Congiu" userId="f2703dcca2bc319d" providerId="LiveId" clId="{610B0C6E-A672-4434-B8B8-6F6E878A9920}" dt="2019-05-12T20:16:48.323" v="269" actId="207"/>
-            <ac:spMkLst>
-              <pc:docMk/>
-              <pc:sldMasterMk cId="1506542201" sldId="2147483684"/>
-              <pc:sldLayoutMk cId="20210373" sldId="2147483702"/>
-              <ac:spMk id="2" creationId="{E39836AA-E138-48A5-BA71-0DF9A3EA6287}"/>
-            </ac:spMkLst>
-          </pc:spChg>
-        </pc:sldLayoutChg>
-        <pc:sldLayoutChg chg="addSp delSp modSp setBg">
-          <pc:chgData name="Luca Congiu" userId="f2703dcca2bc319d" providerId="LiveId" clId="{610B0C6E-A672-4434-B8B8-6F6E878A9920}" dt="2019-05-12T20:32:07.493" v="377" actId="403"/>
-          <pc:sldLayoutMkLst>
-            <pc:docMk/>
-            <pc:sldMasterMk cId="1506542201" sldId="2147483684"/>
-            <pc:sldLayoutMk cId="3872774172" sldId="2147483703"/>
-          </pc:sldLayoutMkLst>
-          <pc:spChg chg="mod">
-            <ac:chgData name="Luca Congiu" userId="f2703dcca2bc319d" providerId="LiveId" clId="{610B0C6E-A672-4434-B8B8-6F6E878A9920}" dt="2019-05-12T20:18:21.534" v="270"/>
-            <ac:spMkLst>
-              <pc:docMk/>
-              <pc:sldMasterMk cId="1506542201" sldId="2147483684"/>
-              <pc:sldLayoutMk cId="3872774172" sldId="2147483703"/>
-              <ac:spMk id="2" creationId="{9AA4FEEB-698F-4425-B0B5-04B44DD26685}"/>
-            </ac:spMkLst>
-          </pc:spChg>
-          <pc:spChg chg="mod">
-            <ac:chgData name="Luca Congiu" userId="f2703dcca2bc319d" providerId="LiveId" clId="{610B0C6E-A672-4434-B8B8-6F6E878A9920}" dt="2019-05-12T20:18:21.534" v="270"/>
-            <ac:spMkLst>
-              <pc:docMk/>
-              <pc:sldMasterMk cId="1506542201" sldId="2147483684"/>
-              <pc:sldLayoutMk cId="3872774172" sldId="2147483703"/>
-              <ac:spMk id="3" creationId="{A808C588-861E-4776-BAF7-1915498CD4DA}"/>
-            </ac:spMkLst>
-          </pc:spChg>
-          <pc:spChg chg="add del mod">
-            <ac:chgData name="Luca Congiu" userId="f2703dcca2bc319d" providerId="LiveId" clId="{610B0C6E-A672-4434-B8B8-6F6E878A9920}" dt="2019-05-12T20:31:23.707" v="371"/>
-            <ac:spMkLst>
-              <pc:docMk/>
-              <pc:sldMasterMk cId="1506542201" sldId="2147483684"/>
-              <pc:sldLayoutMk cId="3872774172" sldId="2147483703"/>
-              <ac:spMk id="4" creationId="{070A4C24-1E64-4903-B1E3-EA8C70CFE7AF}"/>
-            </ac:spMkLst>
-          </pc:spChg>
-          <pc:spChg chg="add del">
-            <ac:chgData name="Luca Congiu" userId="f2703dcca2bc319d" providerId="LiveId" clId="{610B0C6E-A672-4434-B8B8-6F6E878A9920}" dt="2019-05-12T20:18:46.290" v="273" actId="478"/>
-            <ac:spMkLst>
-              <pc:docMk/>
-              <pc:sldMasterMk cId="1506542201" sldId="2147483684"/>
-              <pc:sldLayoutMk cId="3872774172" sldId="2147483703"/>
-              <ac:spMk id="5" creationId="{408D970D-D711-4C31-954B-7D87AFB7F6CF}"/>
-            </ac:spMkLst>
-          </pc:spChg>
-          <pc:spChg chg="mod">
-            <ac:chgData name="Luca Congiu" userId="f2703dcca2bc319d" providerId="LiveId" clId="{610B0C6E-A672-4434-B8B8-6F6E878A9920}" dt="2019-05-12T20:19:39.070" v="288" actId="20577"/>
-            <ac:spMkLst>
-              <pc:docMk/>
-              <pc:sldMasterMk cId="1506542201" sldId="2147483684"/>
-              <pc:sldLayoutMk cId="3872774172" sldId="2147483703"/>
-              <ac:spMk id="6" creationId="{C7F748ED-3297-4773-9955-327DA3AD0B33}"/>
-            </ac:spMkLst>
-          </pc:spChg>
-          <pc:spChg chg="add del mod ord">
-            <ac:chgData name="Luca Congiu" userId="f2703dcca2bc319d" providerId="LiveId" clId="{610B0C6E-A672-4434-B8B8-6F6E878A9920}" dt="2019-05-12T20:19:31.773" v="281" actId="478"/>
-            <ac:spMkLst>
-              <pc:docMk/>
-              <pc:sldMasterMk cId="1506542201" sldId="2147483684"/>
-              <pc:sldLayoutMk cId="3872774172" sldId="2147483703"/>
-              <ac:spMk id="8" creationId="{E1DAAA80-6043-412A-9D23-8119A4F018C5}"/>
-            </ac:spMkLst>
-          </pc:spChg>
-          <pc:spChg chg="add">
-            <ac:chgData name="Luca Congiu" userId="f2703dcca2bc319d" providerId="LiveId" clId="{610B0C6E-A672-4434-B8B8-6F6E878A9920}" dt="2019-05-12T20:19:32.705" v="282"/>
-            <ac:spMkLst>
-              <pc:docMk/>
-              <pc:sldMasterMk cId="1506542201" sldId="2147483684"/>
-              <pc:sldLayoutMk cId="3872774172" sldId="2147483703"/>
-              <ac:spMk id="10" creationId="{72F75EAC-49A5-42C5-A41A-271C74B54F74}"/>
-            </ac:spMkLst>
-          </pc:spChg>
-          <pc:spChg chg="add mod">
-            <ac:chgData name="Luca Congiu" userId="f2703dcca2bc319d" providerId="LiveId" clId="{610B0C6E-A672-4434-B8B8-6F6E878A9920}" dt="2019-05-12T20:32:07.493" v="377" actId="403"/>
-            <ac:spMkLst>
-              <pc:docMk/>
-              <pc:sldMasterMk cId="1506542201" sldId="2147483684"/>
-              <pc:sldLayoutMk cId="3872774172" sldId="2147483703"/>
-              <ac:spMk id="12" creationId="{C75428D7-6ACD-4F9B-9159-66E4F87F735F}"/>
-            </ac:spMkLst>
-          </pc:spChg>
-          <pc:picChg chg="add del">
-            <ac:chgData name="Luca Congiu" userId="f2703dcca2bc319d" providerId="LiveId" clId="{610B0C6E-A672-4434-B8B8-6F6E878A9920}" dt="2019-05-12T20:18:43.477" v="272" actId="478"/>
-            <ac:picMkLst>
-              <pc:docMk/>
-              <pc:sldMasterMk cId="1506542201" sldId="2147483684"/>
-              <pc:sldLayoutMk cId="3872774172" sldId="2147483703"/>
-              <ac:picMk id="7" creationId="{EDF38C99-E146-4CD0-AE77-4B71D5716A0E}"/>
-            </ac:picMkLst>
-          </pc:picChg>
-          <pc:picChg chg="add del">
-            <ac:chgData name="Luca Congiu" userId="f2703dcca2bc319d" providerId="LiveId" clId="{610B0C6E-A672-4434-B8B8-6F6E878A9920}" dt="2019-05-12T20:18:51.896" v="275" actId="478"/>
-            <ac:picMkLst>
-              <pc:docMk/>
-              <pc:sldMasterMk cId="1506542201" sldId="2147483684"/>
-              <pc:sldLayoutMk cId="3872774172" sldId="2147483703"/>
-              <ac:picMk id="9" creationId="{3E9358EB-3C18-419A-947D-6AE6D0487CF0}"/>
-            </ac:picMkLst>
-          </pc:picChg>
-          <pc:picChg chg="add">
-            <ac:chgData name="Luca Congiu" userId="f2703dcca2bc319d" providerId="LiveId" clId="{610B0C6E-A672-4434-B8B8-6F6E878A9920}" dt="2019-05-12T20:19:32.705" v="282"/>
-            <ac:picMkLst>
-              <pc:docMk/>
-              <pc:sldMasterMk cId="1506542201" sldId="2147483684"/>
-              <pc:sldLayoutMk cId="3872774172" sldId="2147483703"/>
-              <ac:picMk id="11" creationId="{7BBDB68D-3EA1-4F6B-B91B-966B58B86802}"/>
-            </ac:picMkLst>
-          </pc:picChg>
-        </pc:sldLayoutChg>
-        <pc:sldLayoutChg chg="addSp modSp">
-          <pc:chgData name="Luca Congiu" userId="f2703dcca2bc319d" providerId="LiveId" clId="{610B0C6E-A672-4434-B8B8-6F6E878A9920}" dt="2019-05-12T20:32:16.787" v="379"/>
-          <pc:sldLayoutMkLst>
-            <pc:docMk/>
-            <pc:sldMasterMk cId="1506542201" sldId="2147483684"/>
-            <pc:sldLayoutMk cId="779238613" sldId="2147483704"/>
-          </pc:sldLayoutMkLst>
-          <pc:spChg chg="mod">
-            <ac:chgData name="Luca Congiu" userId="f2703dcca2bc319d" providerId="LiveId" clId="{610B0C6E-A672-4434-B8B8-6F6E878A9920}" dt="2019-05-12T20:22:12.740" v="303" actId="20577"/>
-            <ac:spMkLst>
-              <pc:docMk/>
-              <pc:sldMasterMk cId="1506542201" sldId="2147483684"/>
-              <pc:sldLayoutMk cId="779238613" sldId="2147483704"/>
-              <ac:spMk id="6" creationId="{C7F748ED-3297-4773-9955-327DA3AD0B33}"/>
-            </ac:spMkLst>
-          </pc:spChg>
-          <pc:spChg chg="add mod">
-            <ac:chgData name="Luca Congiu" userId="f2703dcca2bc319d" providerId="LiveId" clId="{610B0C6E-A672-4434-B8B8-6F6E878A9920}" dt="2019-05-12T20:23:13.060" v="324" actId="27636"/>
-            <ac:spMkLst>
-              <pc:docMk/>
-              <pc:sldMasterMk cId="1506542201" sldId="2147483684"/>
-              <pc:sldLayoutMk cId="779238613" sldId="2147483704"/>
-              <ac:spMk id="7" creationId="{8C83AD98-DC2D-414F-85A7-3B59E4D18FD3}"/>
-            </ac:spMkLst>
-          </pc:spChg>
-          <pc:spChg chg="add">
-            <ac:chgData name="Luca Congiu" userId="f2703dcca2bc319d" providerId="LiveId" clId="{610B0C6E-A672-4434-B8B8-6F6E878A9920}" dt="2019-05-12T20:32:16.787" v="379"/>
-            <ac:spMkLst>
-              <pc:docMk/>
-              <pc:sldMasterMk cId="1506542201" sldId="2147483684"/>
-              <pc:sldLayoutMk cId="779238613" sldId="2147483704"/>
-              <ac:spMk id="8" creationId="{CD0B6E79-F9A8-427C-AAAD-533973D8E78E}"/>
-            </ac:spMkLst>
-          </pc:spChg>
-        </pc:sldLayoutChg>
-        <pc:sldLayoutChg chg="addSp modSp">
-          <pc:chgData name="Luca Congiu" userId="f2703dcca2bc319d" providerId="LiveId" clId="{610B0C6E-A672-4434-B8B8-6F6E878A9920}" dt="2019-05-12T20:32:13.339" v="378"/>
-          <pc:sldLayoutMkLst>
-            <pc:docMk/>
-            <pc:sldMasterMk cId="1506542201" sldId="2147483684"/>
-            <pc:sldLayoutMk cId="2400484775" sldId="2147483705"/>
-          </pc:sldLayoutMkLst>
-          <pc:spChg chg="mod">
-            <ac:chgData name="Luca Congiu" userId="f2703dcca2bc319d" providerId="LiveId" clId="{610B0C6E-A672-4434-B8B8-6F6E878A9920}" dt="2019-05-12T20:23:46.873" v="335" actId="20577"/>
-            <ac:spMkLst>
-              <pc:docMk/>
-              <pc:sldMasterMk cId="1506542201" sldId="2147483684"/>
-              <pc:sldLayoutMk cId="2400484775" sldId="2147483705"/>
-              <ac:spMk id="6" creationId="{C7F748ED-3297-4773-9955-327DA3AD0B33}"/>
-            </ac:spMkLst>
-          </pc:spChg>
-          <pc:spChg chg="add mod">
-            <ac:chgData name="Luca Congiu" userId="f2703dcca2bc319d" providerId="LiveId" clId="{610B0C6E-A672-4434-B8B8-6F6E878A9920}" dt="2019-05-12T20:23:41.942" v="334" actId="122"/>
-            <ac:spMkLst>
-              <pc:docMk/>
-              <pc:sldMasterMk cId="1506542201" sldId="2147483684"/>
-              <pc:sldLayoutMk cId="2400484775" sldId="2147483705"/>
-              <ac:spMk id="7" creationId="{8304AE0C-0056-49D9-A1BB-E5FD6B842774}"/>
-            </ac:spMkLst>
-          </pc:spChg>
-          <pc:spChg chg="add">
-            <ac:chgData name="Luca Congiu" userId="f2703dcca2bc319d" providerId="LiveId" clId="{610B0C6E-A672-4434-B8B8-6F6E878A9920}" dt="2019-05-12T20:32:13.339" v="378"/>
-            <ac:spMkLst>
-              <pc:docMk/>
-              <pc:sldMasterMk cId="1506542201" sldId="2147483684"/>
-              <pc:sldLayoutMk cId="2400484775" sldId="2147483705"/>
-              <ac:spMk id="8" creationId="{8BBCFD4C-AEE9-4341-8F2A-49306A05990A}"/>
-            </ac:spMkLst>
-          </pc:spChg>
-        </pc:sldLayoutChg>
-        <pc:sldLayoutChg chg="addSp delSp modSp">
-          <pc:chgData name="Luca Congiu" userId="f2703dcca2bc319d" providerId="LiveId" clId="{610B0C6E-A672-4434-B8B8-6F6E878A9920}" dt="2019-05-12T20:27:40.294" v="358"/>
-          <pc:sldLayoutMkLst>
-            <pc:docMk/>
-            <pc:sldMasterMk cId="1506542201" sldId="2147483684"/>
-            <pc:sldLayoutMk cId="3353300847" sldId="2147483707"/>
-          </pc:sldLayoutMkLst>
-          <pc:spChg chg="mod">
-            <ac:chgData name="Luca Congiu" userId="f2703dcca2bc319d" providerId="LiveId" clId="{610B0C6E-A672-4434-B8B8-6F6E878A9920}" dt="2019-05-12T20:27:04.596" v="352" actId="14100"/>
-            <ac:spMkLst>
-              <pc:docMk/>
-              <pc:sldMasterMk cId="1506542201" sldId="2147483684"/>
-              <pc:sldLayoutMk cId="3353300847" sldId="2147483707"/>
-              <ac:spMk id="3" creationId="{A808C588-861E-4776-BAF7-1915498CD4DA}"/>
-            </ac:spMkLst>
-          </pc:spChg>
-          <pc:spChg chg="mod">
-            <ac:chgData name="Luca Congiu" userId="f2703dcca2bc319d" providerId="LiveId" clId="{610B0C6E-A672-4434-B8B8-6F6E878A9920}" dt="2019-05-12T20:27:01.746" v="351" actId="14100"/>
-            <ac:spMkLst>
-              <pc:docMk/>
-              <pc:sldMasterMk cId="1506542201" sldId="2147483684"/>
-              <pc:sldLayoutMk cId="3353300847" sldId="2147483707"/>
-              <ac:spMk id="6" creationId="{C7F748ED-3297-4773-9955-327DA3AD0B33}"/>
-            </ac:spMkLst>
-          </pc:spChg>
-          <pc:spChg chg="del">
-            <ac:chgData name="Luca Congiu" userId="f2703dcca2bc319d" providerId="LiveId" clId="{610B0C6E-A672-4434-B8B8-6F6E878A9920}" dt="2019-05-12T20:26:56.136" v="350" actId="478"/>
-            <ac:spMkLst>
-              <pc:docMk/>
-              <pc:sldMasterMk cId="1506542201" sldId="2147483684"/>
-              <pc:sldLayoutMk cId="3353300847" sldId="2147483707"/>
-              <ac:spMk id="10" creationId="{72F75EAC-49A5-42C5-A41A-271C74B54F74}"/>
-            </ac:spMkLst>
-          </pc:spChg>
-          <pc:picChg chg="add del mod">
-            <ac:chgData name="Luca Congiu" userId="f2703dcca2bc319d" providerId="LiveId" clId="{610B0C6E-A672-4434-B8B8-6F6E878A9920}" dt="2019-05-12T20:27:39.554" v="357" actId="478"/>
-            <ac:picMkLst>
-              <pc:docMk/>
-              <pc:sldMasterMk cId="1506542201" sldId="2147483684"/>
-              <pc:sldLayoutMk cId="3353300847" sldId="2147483707"/>
-              <ac:picMk id="5" creationId="{1C69EBF6-6F47-41D9-AAAC-9FCD6D4DCD02}"/>
-            </ac:picMkLst>
-          </pc:picChg>
-          <pc:picChg chg="del">
-            <ac:chgData name="Luca Congiu" userId="f2703dcca2bc319d" providerId="LiveId" clId="{610B0C6E-A672-4434-B8B8-6F6E878A9920}" dt="2019-05-12T20:27:07.798" v="353" actId="478"/>
-            <ac:picMkLst>
-              <pc:docMk/>
-              <pc:sldMasterMk cId="1506542201" sldId="2147483684"/>
-              <pc:sldLayoutMk cId="3353300847" sldId="2147483707"/>
-              <ac:picMk id="11" creationId="{7BBDB68D-3EA1-4F6B-B91B-966B58B86802}"/>
-            </ac:picMkLst>
-          </pc:picChg>
-          <pc:picChg chg="add">
-            <ac:chgData name="Luca Congiu" userId="f2703dcca2bc319d" providerId="LiveId" clId="{610B0C6E-A672-4434-B8B8-6F6E878A9920}" dt="2019-05-12T20:27:40.294" v="358"/>
-            <ac:picMkLst>
-              <pc:docMk/>
-              <pc:sldMasterMk cId="1506542201" sldId="2147483684"/>
-              <pc:sldLayoutMk cId="3353300847" sldId="2147483707"/>
-              <ac:picMk id="12" creationId="{5CB1FD4A-77C8-4549-A446-B69D33385EE3}"/>
-            </ac:picMkLst>
-          </pc:picChg>
-        </pc:sldLayoutChg>
-        <pc:sldLayoutChg chg="del">
-          <pc:chgData name="Luca Congiu" userId="f2703dcca2bc319d" providerId="LiveId" clId="{610B0C6E-A672-4434-B8B8-6F6E878A9920}" dt="2019-05-12T20:26:45.490" v="349" actId="2696"/>
-          <pc:sldLayoutMkLst>
-            <pc:docMk/>
-            <pc:sldMasterMk cId="1506542201" sldId="2147483684"/>
-            <pc:sldLayoutMk cId="3732294256" sldId="2147483707"/>
-          </pc:sldLayoutMkLst>
-        </pc:sldLayoutChg>
-      </pc:sldMasterChg>
-      <pc:sldMasterChg chg="addSp delSp modSp">
-        <pc:chgData name="Luca Congiu" userId="f2703dcca2bc319d" providerId="LiveId" clId="{610B0C6E-A672-4434-B8B8-6F6E878A9920}" dt="2019-05-12T20:28:06.353" v="361" actId="1076"/>
-        <pc:sldMasterMkLst>
-          <pc:docMk/>
-          <pc:sldMasterMk cId="3940922668" sldId="2147483708"/>
-        </pc:sldMasterMkLst>
-        <pc:spChg chg="del">
-          <ac:chgData name="Luca Congiu" userId="f2703dcca2bc319d" providerId="LiveId" clId="{610B0C6E-A672-4434-B8B8-6F6E878A9920}" dt="2019-05-12T20:27:59.909" v="359" actId="478"/>
-          <ac:spMkLst>
-            <pc:docMk/>
-            <pc:sldMasterMk cId="3940922668" sldId="2147483708"/>
-            <ac:spMk id="7" creationId="{B4F1C049-6E41-4F28-8D79-231F45AC5418}"/>
-          </ac:spMkLst>
-        </pc:spChg>
-        <pc:picChg chg="add mod">
-          <ac:chgData name="Luca Congiu" userId="f2703dcca2bc319d" providerId="LiveId" clId="{610B0C6E-A672-4434-B8B8-6F6E878A9920}" dt="2019-05-12T20:28:06.353" v="361" actId="1076"/>
-          <ac:picMkLst>
-            <pc:docMk/>
-            <pc:sldMasterMk cId="3940922668" sldId="2147483708"/>
-            <ac:picMk id="8" creationId="{CC7B11A8-B49B-4B10-A7C4-40A2FA2540ED}"/>
-          </ac:picMkLst>
-        </pc:picChg>
-      </pc:sldMasterChg>
-      <pc:sldMasterChg chg="modSp modSldLayout">
-        <pc:chgData name="Luca Congiu" userId="f2703dcca2bc319d" providerId="LiveId" clId="{610B0C6E-A672-4434-B8B8-6F6E878A9920}" dt="2019-05-12T20:40:44.160" v="460" actId="14100"/>
-        <pc:sldMasterMkLst>
-          <pc:docMk/>
-          <pc:sldMasterMk cId="3529241926" sldId="2147483720"/>
-        </pc:sldMasterMkLst>
-        <pc:spChg chg="mod">
-          <ac:chgData name="Luca Congiu" userId="f2703dcca2bc319d" providerId="LiveId" clId="{610B0C6E-A672-4434-B8B8-6F6E878A9920}" dt="2019-05-12T20:37:18.678" v="418" actId="207"/>
-          <ac:spMkLst>
-            <pc:docMk/>
-            <pc:sldMasterMk cId="3529241926" sldId="2147483720"/>
-            <ac:spMk id="2" creationId="{193C5AD0-FE2E-4D86-A507-E86907BB18D5}"/>
-          </ac:spMkLst>
-        </pc:spChg>
-        <pc:spChg chg="mod">
-          <ac:chgData name="Luca Congiu" userId="f2703dcca2bc319d" providerId="LiveId" clId="{610B0C6E-A672-4434-B8B8-6F6E878A9920}" dt="2019-05-12T20:37:56.794" v="424" actId="14100"/>
-          <ac:spMkLst>
-            <pc:docMk/>
-            <pc:sldMasterMk cId="3529241926" sldId="2147483720"/>
-            <ac:spMk id="3" creationId="{C821791A-A567-4377-ABF1-F28ADCB7524D}"/>
-          </ac:spMkLst>
-        </pc:spChg>
-        <pc:spChg chg="mod">
-          <ac:chgData name="Luca Congiu" userId="f2703dcca2bc319d" providerId="LiveId" clId="{610B0C6E-A672-4434-B8B8-6F6E878A9920}" dt="2019-05-12T20:38:00.503" v="425" actId="14100"/>
-          <ac:spMkLst>
-            <pc:docMk/>
-            <pc:sldMasterMk cId="3529241926" sldId="2147483720"/>
-            <ac:spMk id="5" creationId="{4AF7A0EE-86E4-47D2-9966-E8417FAFE85C}"/>
-          </ac:spMkLst>
-        </pc:spChg>
-        <pc:spChg chg="mod">
-          <ac:chgData name="Luca Congiu" userId="f2703dcca2bc319d" providerId="LiveId" clId="{610B0C6E-A672-4434-B8B8-6F6E878A9920}" dt="2019-05-12T20:37:37.528" v="422" actId="14100"/>
-          <ac:spMkLst>
-            <pc:docMk/>
-            <pc:sldMasterMk cId="3529241926" sldId="2147483720"/>
-            <ac:spMk id="7" creationId="{B4F1C049-6E41-4F28-8D79-231F45AC5418}"/>
-          </ac:spMkLst>
-        </pc:spChg>
-        <pc:picChg chg="mod">
-          <ac:chgData name="Luca Congiu" userId="f2703dcca2bc319d" providerId="LiveId" clId="{610B0C6E-A672-4434-B8B8-6F6E878A9920}" dt="2019-05-12T20:37:43.008" v="423" actId="14100"/>
-          <ac:picMkLst>
-            <pc:docMk/>
-            <pc:sldMasterMk cId="3529241926" sldId="2147483720"/>
-            <ac:picMk id="9" creationId="{21EBF50F-5D1D-409E-88D8-03D976F8D979}"/>
-          </ac:picMkLst>
-        </pc:picChg>
-        <pc:sldLayoutChg chg="modSp">
-          <pc:chgData name="Luca Congiu" userId="f2703dcca2bc319d" providerId="LiveId" clId="{610B0C6E-A672-4434-B8B8-6F6E878A9920}" dt="2019-05-12T20:38:13.416" v="428" actId="14100"/>
-          <pc:sldLayoutMkLst>
-            <pc:docMk/>
-            <pc:sldMasterMk cId="3529241926" sldId="2147483720"/>
-            <pc:sldLayoutMk cId="1078812363" sldId="2147483721"/>
-          </pc:sldLayoutMkLst>
-          <pc:spChg chg="mod">
-            <ac:chgData name="Luca Congiu" userId="f2703dcca2bc319d" providerId="LiveId" clId="{610B0C6E-A672-4434-B8B8-6F6E878A9920}" dt="2019-05-12T20:38:09.897" v="427" actId="14100"/>
-            <ac:spMkLst>
-              <pc:docMk/>
-              <pc:sldMasterMk cId="3529241926" sldId="2147483720"/>
-              <pc:sldLayoutMk cId="1078812363" sldId="2147483721"/>
-              <ac:spMk id="2" creationId="{E81AC213-F388-4E21-98C4-36E6E89F2D9A}"/>
-            </ac:spMkLst>
-          </pc:spChg>
-          <pc:spChg chg="mod">
-            <ac:chgData name="Luca Congiu" userId="f2703dcca2bc319d" providerId="LiveId" clId="{610B0C6E-A672-4434-B8B8-6F6E878A9920}" dt="2019-05-12T20:38:13.416" v="428" actId="14100"/>
-            <ac:spMkLst>
-              <pc:docMk/>
-              <pc:sldMasterMk cId="3529241926" sldId="2147483720"/>
-              <pc:sldLayoutMk cId="1078812363" sldId="2147483721"/>
-              <ac:spMk id="3" creationId="{2816E0C6-E17F-4FDB-8980-765ACC03A172}"/>
-            </ac:spMkLst>
-          </pc:spChg>
-          <pc:spChg chg="mod">
-            <ac:chgData name="Luca Congiu" userId="f2703dcca2bc319d" providerId="LiveId" clId="{610B0C6E-A672-4434-B8B8-6F6E878A9920}" dt="2019-05-12T20:38:05.939" v="426" actId="207"/>
-            <ac:spMkLst>
-              <pc:docMk/>
-              <pc:sldMasterMk cId="3529241926" sldId="2147483720"/>
-              <pc:sldLayoutMk cId="1078812363" sldId="2147483721"/>
-              <ac:spMk id="9" creationId="{974020F4-9E0A-40BD-8784-A68D91CBF059}"/>
-            </ac:spMkLst>
-          </pc:spChg>
-        </pc:sldLayoutChg>
-        <pc:sldLayoutChg chg="modSp">
-          <pc:chgData name="Luca Congiu" userId="f2703dcca2bc319d" providerId="LiveId" clId="{610B0C6E-A672-4434-B8B8-6F6E878A9920}" dt="2019-05-12T20:38:28.345" v="431" actId="14100"/>
-          <pc:sldLayoutMkLst>
-            <pc:docMk/>
-            <pc:sldMasterMk cId="3529241926" sldId="2147483720"/>
-            <pc:sldLayoutMk cId="526841696" sldId="2147483723"/>
-          </pc:sldLayoutMkLst>
-          <pc:spChg chg="mod">
-            <ac:chgData name="Luca Congiu" userId="f2703dcca2bc319d" providerId="LiveId" clId="{610B0C6E-A672-4434-B8B8-6F6E878A9920}" dt="2019-05-12T20:38:25.072" v="430" actId="14100"/>
-            <ac:spMkLst>
-              <pc:docMk/>
-              <pc:sldMasterMk cId="3529241926" sldId="2147483720"/>
-              <pc:sldLayoutMk cId="526841696" sldId="2147483723"/>
-              <ac:spMk id="2" creationId="{5360E1D9-830C-42E5-B43B-29DB0C744A32}"/>
-            </ac:spMkLst>
-          </pc:spChg>
-          <pc:spChg chg="mod">
-            <ac:chgData name="Luca Congiu" userId="f2703dcca2bc319d" providerId="LiveId" clId="{610B0C6E-A672-4434-B8B8-6F6E878A9920}" dt="2019-05-12T20:38:28.345" v="431" actId="14100"/>
-            <ac:spMkLst>
-              <pc:docMk/>
-              <pc:sldMasterMk cId="3529241926" sldId="2147483720"/>
-              <pc:sldLayoutMk cId="526841696" sldId="2147483723"/>
-              <ac:spMk id="3" creationId="{59591FCF-D95B-487B-A7A1-F791F33EB6EB}"/>
-            </ac:spMkLst>
-          </pc:spChg>
-          <pc:spChg chg="mod">
-            <ac:chgData name="Luca Congiu" userId="f2703dcca2bc319d" providerId="LiveId" clId="{610B0C6E-A672-4434-B8B8-6F6E878A9920}" dt="2019-05-12T20:38:22.458" v="429" actId="207"/>
-            <ac:spMkLst>
-              <pc:docMk/>
-              <pc:sldMasterMk cId="3529241926" sldId="2147483720"/>
-              <pc:sldLayoutMk cId="526841696" sldId="2147483723"/>
-              <ac:spMk id="8" creationId="{8C1A526D-BDB6-48B9-BE01-73554F395FF1}"/>
-            </ac:spMkLst>
-          </pc:spChg>
-        </pc:sldLayoutChg>
-        <pc:sldLayoutChg chg="modSp">
-          <pc:chgData name="Luca Congiu" userId="f2703dcca2bc319d" providerId="LiveId" clId="{610B0C6E-A672-4434-B8B8-6F6E878A9920}" dt="2019-05-12T20:38:39.408" v="434" actId="14100"/>
-          <pc:sldLayoutMkLst>
-            <pc:docMk/>
-            <pc:sldMasterMk cId="3529241926" sldId="2147483720"/>
-            <pc:sldLayoutMk cId="3231010331" sldId="2147483724"/>
-          </pc:sldLayoutMkLst>
-          <pc:spChg chg="mod">
-            <ac:chgData name="Luca Congiu" userId="f2703dcca2bc319d" providerId="LiveId" clId="{610B0C6E-A672-4434-B8B8-6F6E878A9920}" dt="2019-05-12T20:38:35.680" v="433" actId="14100"/>
-            <ac:spMkLst>
-              <pc:docMk/>
-              <pc:sldMasterMk cId="3529241926" sldId="2147483720"/>
-              <pc:sldLayoutMk cId="3231010331" sldId="2147483724"/>
-              <ac:spMk id="3" creationId="{4DDB07BF-6C79-4467-ACB1-0767E3771EDC}"/>
-            </ac:spMkLst>
-          </pc:spChg>
-          <pc:spChg chg="mod">
-            <ac:chgData name="Luca Congiu" userId="f2703dcca2bc319d" providerId="LiveId" clId="{610B0C6E-A672-4434-B8B8-6F6E878A9920}" dt="2019-05-12T20:38:39.408" v="434" actId="14100"/>
-            <ac:spMkLst>
-              <pc:docMk/>
-              <pc:sldMasterMk cId="3529241926" sldId="2147483720"/>
-              <pc:sldLayoutMk cId="3231010331" sldId="2147483724"/>
-              <ac:spMk id="4" creationId="{AA3F5DFD-F0C1-4DC6-875A-D8417FB428B1}"/>
-            </ac:spMkLst>
-          </pc:spChg>
-        </pc:sldLayoutChg>
-        <pc:sldLayoutChg chg="modSp">
-          <pc:chgData name="Luca Congiu" userId="f2703dcca2bc319d" providerId="LiveId" clId="{610B0C6E-A672-4434-B8B8-6F6E878A9920}" dt="2019-05-12T20:39:03.697" v="440" actId="14100"/>
-          <pc:sldLayoutMkLst>
-            <pc:docMk/>
-            <pc:sldMasterMk cId="3529241926" sldId="2147483720"/>
-            <pc:sldLayoutMk cId="2166126975" sldId="2147483725"/>
-          </pc:sldLayoutMkLst>
-          <pc:spChg chg="mod">
-            <ac:chgData name="Luca Congiu" userId="f2703dcca2bc319d" providerId="LiveId" clId="{610B0C6E-A672-4434-B8B8-6F6E878A9920}" dt="2019-05-12T20:38:54.104" v="436" actId="14100"/>
-            <ac:spMkLst>
-              <pc:docMk/>
-              <pc:sldMasterMk cId="3529241926" sldId="2147483720"/>
-              <pc:sldLayoutMk cId="2166126975" sldId="2147483725"/>
-              <ac:spMk id="3" creationId="{28A0B334-5A2E-420D-B34F-0C59C82F6877}"/>
-            </ac:spMkLst>
-          </pc:spChg>
-          <pc:spChg chg="mod">
-            <ac:chgData name="Luca Congiu" userId="f2703dcca2bc319d" providerId="LiveId" clId="{610B0C6E-A672-4434-B8B8-6F6E878A9920}" dt="2019-05-12T20:38:58.752" v="438" actId="14100"/>
-            <ac:spMkLst>
-              <pc:docMk/>
-              <pc:sldMasterMk cId="3529241926" sldId="2147483720"/>
-              <pc:sldLayoutMk cId="2166126975" sldId="2147483725"/>
-              <ac:spMk id="4" creationId="{F3888714-BC9E-4F0C-9BCB-271CD43D7529}"/>
-            </ac:spMkLst>
-          </pc:spChg>
-          <pc:spChg chg="mod">
-            <ac:chgData name="Luca Congiu" userId="f2703dcca2bc319d" providerId="LiveId" clId="{610B0C6E-A672-4434-B8B8-6F6E878A9920}" dt="2019-05-12T20:39:03.697" v="440" actId="14100"/>
-            <ac:spMkLst>
-              <pc:docMk/>
-              <pc:sldMasterMk cId="3529241926" sldId="2147483720"/>
-              <pc:sldLayoutMk cId="2166126975" sldId="2147483725"/>
-              <ac:spMk id="5" creationId="{59DBCF60-51E3-49AF-B7E7-0E0D5D215F6E}"/>
-            </ac:spMkLst>
-          </pc:spChg>
-          <pc:spChg chg="mod">
-            <ac:chgData name="Luca Congiu" userId="f2703dcca2bc319d" providerId="LiveId" clId="{610B0C6E-A672-4434-B8B8-6F6E878A9920}" dt="2019-05-12T20:39:00.721" v="439" actId="14100"/>
-            <ac:spMkLst>
-              <pc:docMk/>
-              <pc:sldMasterMk cId="3529241926" sldId="2147483720"/>
-              <pc:sldLayoutMk cId="2166126975" sldId="2147483725"/>
-              <ac:spMk id="6" creationId="{C5EE61DC-AAA5-4E2D-BF46-D00329A5C184}"/>
-            </ac:spMkLst>
-          </pc:spChg>
-        </pc:sldLayoutChg>
-        <pc:sldLayoutChg chg="addSp delSp modSp">
-          <pc:chgData name="Luca Congiu" userId="f2703dcca2bc319d" providerId="LiveId" clId="{610B0C6E-A672-4434-B8B8-6F6E878A9920}" dt="2019-05-12T20:40:15.658" v="452" actId="27636"/>
-          <pc:sldLayoutMkLst>
-            <pc:docMk/>
-            <pc:sldMasterMk cId="3529241926" sldId="2147483720"/>
-            <pc:sldLayoutMk cId="1204125730" sldId="2147483728"/>
-          </pc:sldLayoutMkLst>
-          <pc:spChg chg="mod">
-            <ac:chgData name="Luca Congiu" userId="f2703dcca2bc319d" providerId="LiveId" clId="{610B0C6E-A672-4434-B8B8-6F6E878A9920}" dt="2019-05-12T20:39:49.585" v="449" actId="14100"/>
-            <ac:spMkLst>
-              <pc:docMk/>
-              <pc:sldMasterMk cId="3529241926" sldId="2147483720"/>
-              <pc:sldLayoutMk cId="1204125730" sldId="2147483728"/>
-              <ac:spMk id="2" creationId="{2E577963-0FD6-4635-A1A8-B7BCF35F3DB8}"/>
-            </ac:spMkLst>
-          </pc:spChg>
-          <pc:spChg chg="mod">
-            <ac:chgData name="Luca Congiu" userId="f2703dcca2bc319d" providerId="LiveId" clId="{610B0C6E-A672-4434-B8B8-6F6E878A9920}" dt="2019-05-12T20:39:44.553" v="447" actId="14100"/>
-            <ac:spMkLst>
-              <pc:docMk/>
-              <pc:sldMasterMk cId="3529241926" sldId="2147483720"/>
-              <pc:sldLayoutMk cId="1204125730" sldId="2147483728"/>
-              <ac:spMk id="3" creationId="{A56285E0-D2CF-45EC-824F-708C57150102}"/>
-            </ac:spMkLst>
-          </pc:spChg>
-          <pc:spChg chg="mod">
-            <ac:chgData name="Luca Congiu" userId="f2703dcca2bc319d" providerId="LiveId" clId="{610B0C6E-A672-4434-B8B8-6F6E878A9920}" dt="2019-05-12T20:39:41.560" v="446" actId="14100"/>
-            <ac:spMkLst>
-              <pc:docMk/>
-              <pc:sldMasterMk cId="3529241926" sldId="2147483720"/>
-              <pc:sldLayoutMk cId="1204125730" sldId="2147483728"/>
-              <ac:spMk id="4" creationId="{3085BD09-F8F1-4CF7-88B9-307E74D0BF7C}"/>
-            </ac:spMkLst>
-          </pc:spChg>
-          <pc:spChg chg="del">
-            <ac:chgData name="Luca Congiu" userId="f2703dcca2bc319d" providerId="LiveId" clId="{610B0C6E-A672-4434-B8B8-6F6E878A9920}" dt="2019-05-12T20:40:14.856" v="450" actId="478"/>
-            <ac:spMkLst>
-              <pc:docMk/>
-              <pc:sldMasterMk cId="3529241926" sldId="2147483720"/>
-              <pc:sldLayoutMk cId="1204125730" sldId="2147483728"/>
-              <ac:spMk id="8" creationId="{88C52628-7CD8-4B9E-85F2-AA6D0F451AE1}"/>
-            </ac:spMkLst>
-          </pc:spChg>
-          <pc:spChg chg="del mod">
-            <ac:chgData name="Luca Congiu" userId="f2703dcca2bc319d" providerId="LiveId" clId="{610B0C6E-A672-4434-B8B8-6F6E878A9920}" dt="2019-05-12T20:39:23.225" v="442" actId="478"/>
-            <ac:spMkLst>
-              <pc:docMk/>
-              <pc:sldMasterMk cId="3529241926" sldId="2147483720"/>
-              <pc:sldLayoutMk cId="1204125730" sldId="2147483728"/>
-              <ac:spMk id="9" creationId="{3F1D8162-967F-491C-8075-478356124555}"/>
-            </ac:spMkLst>
-          </pc:spChg>
-          <pc:spChg chg="add mod">
-            <ac:chgData name="Luca Congiu" userId="f2703dcca2bc319d" providerId="LiveId" clId="{610B0C6E-A672-4434-B8B8-6F6E878A9920}" dt="2019-05-12T20:40:15.658" v="452" actId="27636"/>
-            <ac:spMkLst>
-              <pc:docMk/>
-              <pc:sldMasterMk cId="3529241926" sldId="2147483720"/>
-              <pc:sldLayoutMk cId="1204125730" sldId="2147483728"/>
-              <ac:spMk id="10" creationId="{79FE1DD2-21EE-470A-9002-2A465A11EC14}"/>
-            </ac:spMkLst>
-          </pc:spChg>
-        </pc:sldLayoutChg>
-        <pc:sldLayoutChg chg="addSp delSp modSp">
-          <pc:chgData name="Luca Congiu" userId="f2703dcca2bc319d" providerId="LiveId" clId="{610B0C6E-A672-4434-B8B8-6F6E878A9920}" dt="2019-05-12T20:40:44.160" v="460" actId="14100"/>
-          <pc:sldLayoutMkLst>
-            <pc:docMk/>
-            <pc:sldMasterMk cId="3529241926" sldId="2147483720"/>
-            <pc:sldLayoutMk cId="3711681398" sldId="2147483729"/>
-          </pc:sldLayoutMkLst>
-          <pc:spChg chg="mod">
-            <ac:chgData name="Luca Congiu" userId="f2703dcca2bc319d" providerId="LiveId" clId="{610B0C6E-A672-4434-B8B8-6F6E878A9920}" dt="2019-05-12T20:40:40.512" v="459" actId="14100"/>
-            <ac:spMkLst>
-              <pc:docMk/>
-              <pc:sldMasterMk cId="3529241926" sldId="2147483720"/>
-              <pc:sldLayoutMk cId="3711681398" sldId="2147483729"/>
-              <ac:spMk id="2" creationId="{025C9793-0D22-47FF-B7AF-15663D5AAA52}"/>
-            </ac:spMkLst>
-          </pc:spChg>
-          <pc:spChg chg="mod">
-            <ac:chgData name="Luca Congiu" userId="f2703dcca2bc319d" providerId="LiveId" clId="{610B0C6E-A672-4434-B8B8-6F6E878A9920}" dt="2019-05-12T20:40:44.160" v="460" actId="14100"/>
-            <ac:spMkLst>
-              <pc:docMk/>
-              <pc:sldMasterMk cId="3529241926" sldId="2147483720"/>
-              <pc:sldLayoutMk cId="3711681398" sldId="2147483729"/>
-              <ac:spMk id="3" creationId="{3CCCD409-2A98-495F-9E05-476EDBD282E4}"/>
-            </ac:spMkLst>
-          </pc:spChg>
-          <pc:spChg chg="mod">
-            <ac:chgData name="Luca Congiu" userId="f2703dcca2bc319d" providerId="LiveId" clId="{610B0C6E-A672-4434-B8B8-6F6E878A9920}" dt="2019-05-12T20:40:33.801" v="457" actId="14100"/>
-            <ac:spMkLst>
-              <pc:docMk/>
-              <pc:sldMasterMk cId="3529241926" sldId="2147483720"/>
-              <pc:sldLayoutMk cId="3711681398" sldId="2147483729"/>
-              <ac:spMk id="4" creationId="{1B9D9E80-627A-4D17-9029-E14C8D64554E}"/>
-            </ac:spMkLst>
-          </pc:spChg>
-          <pc:spChg chg="del">
-            <ac:chgData name="Luca Congiu" userId="f2703dcca2bc319d" providerId="LiveId" clId="{610B0C6E-A672-4434-B8B8-6F6E878A9920}" dt="2019-05-12T20:40:24.336" v="453" actId="478"/>
-            <ac:spMkLst>
-              <pc:docMk/>
-              <pc:sldMasterMk cId="3529241926" sldId="2147483720"/>
-              <pc:sldLayoutMk cId="3711681398" sldId="2147483729"/>
-              <ac:spMk id="8" creationId="{0BE16406-DCB4-4984-8046-F9EFFF081186}"/>
-            </ac:spMkLst>
-          </pc:spChg>
-          <pc:spChg chg="del mod">
-            <ac:chgData name="Luca Congiu" userId="f2703dcca2bc319d" providerId="LiveId" clId="{610B0C6E-A672-4434-B8B8-6F6E878A9920}" dt="2019-05-12T20:39:32.647" v="444" actId="478"/>
-            <ac:spMkLst>
-              <pc:docMk/>
-              <pc:sldMasterMk cId="3529241926" sldId="2147483720"/>
-              <pc:sldLayoutMk cId="3711681398" sldId="2147483729"/>
-              <ac:spMk id="9" creationId="{E5B1B50D-5827-411C-8C68-4B6FEA76FB11}"/>
-            </ac:spMkLst>
-          </pc:spChg>
-          <pc:spChg chg="add mod">
-            <ac:chgData name="Luca Congiu" userId="f2703dcca2bc319d" providerId="LiveId" clId="{610B0C6E-A672-4434-B8B8-6F6E878A9920}" dt="2019-05-12T20:40:25.173" v="455" actId="27636"/>
-            <ac:spMkLst>
-              <pc:docMk/>
-              <pc:sldMasterMk cId="3529241926" sldId="2147483720"/>
-              <pc:sldLayoutMk cId="3711681398" sldId="2147483729"/>
-              <ac:spMk id="10" creationId="{FFE944BF-EBE0-41F2-8211-C03DD2ED131E}"/>
-            </ac:spMkLst>
-          </pc:spChg>
-        </pc:sldLayoutChg>
-      </pc:sldMasterChg>
-    </pc:docChg>
-  </pc:docChgLst>
-</pc:chgInfo>
 </file>
 
 <file path=ppt/slideLayouts/slideLayout1.xml><?xml version="1.0" encoding="utf-8"?>
@@ -20246,8 +18888,8 @@
         </p:nvSpPr>
         <p:spPr>
           <a:xfrm>
-            <a:off x="8126083" y="244481"/>
-            <a:ext cx="3795623" cy="2139351"/>
+            <a:off x="9481930" y="244482"/>
+            <a:ext cx="2439776" cy="1385536"/>
           </a:xfrm>
           <a:prstGeom prst="rect">
             <a:avLst/>
@@ -20275,58 +18917,233 @@
           <a:p>
             <a:pPr algn="ctr"/>
             <a:r>
-              <a:rPr lang="it-IT" dirty="0" err="1"/>
-              <a:t>Please</a:t>
-            </a:r>
-            <a:r>
-              <a:rPr lang="it-IT" dirty="0"/>
-              <a:t> </a:t>
-            </a:r>
-            <a:r>
-              <a:rPr lang="it-IT" dirty="0" err="1"/>
-              <a:t>avoid</a:t>
-            </a:r>
-            <a:r>
-              <a:rPr lang="it-IT" dirty="0"/>
-              <a:t> </a:t>
-            </a:r>
-            <a:r>
-              <a:rPr lang="it-IT" dirty="0" err="1"/>
-              <a:t>contents</a:t>
-            </a:r>
-            <a:r>
-              <a:rPr lang="it-IT" dirty="0"/>
-              <a:t> in </a:t>
-            </a:r>
-            <a:r>
-              <a:rPr lang="it-IT" dirty="0" err="1"/>
-              <a:t>this</a:t>
-            </a:r>
-            <a:r>
-              <a:rPr lang="it-IT" dirty="0"/>
-              <a:t> area</a:t>
-            </a:r>
-          </a:p>
+              <a:rPr lang="it-IT" dirty="0"/>
+              <a:t>Immagine telecamera qui</a:t>
+            </a:r>
+          </a:p>
+        </p:txBody>
+      </p:sp>
+      <p:sp>
+        <p:nvSpPr>
+          <p:cNvPr id="8" name="Rectangle 1">
+            <a:extLst>
+              <a:ext uri="{FF2B5EF4-FFF2-40B4-BE49-F238E27FC236}">
+                <a16:creationId xmlns:a16="http://schemas.microsoft.com/office/drawing/2014/main" id="{FA879D40-7FBE-3C05-4E3B-798CF8ADD51A}"/>
+              </a:ext>
+            </a:extLst>
+          </p:cNvPr>
+          <p:cNvSpPr/>
+          <p:nvPr/>
+        </p:nvSpPr>
+        <p:spPr>
+          <a:xfrm>
+            <a:off x="11379200" y="5791200"/>
+            <a:ext cx="722488" cy="480305"/>
+          </a:xfrm>
+          <a:prstGeom prst="rect">
+            <a:avLst/>
+          </a:prstGeom>
+        </p:spPr>
+        <p:style>
+          <a:lnRef idx="2">
+            <a:schemeClr val="accent1">
+              <a:shade val="50000"/>
+            </a:schemeClr>
+          </a:lnRef>
+          <a:fillRef idx="1">
+            <a:schemeClr val="accent1"/>
+          </a:fillRef>
+          <a:effectRef idx="0">
+            <a:schemeClr val="accent1"/>
+          </a:effectRef>
+          <a:fontRef idx="minor">
+            <a:schemeClr val="lt1"/>
+          </a:fontRef>
+        </p:style>
+        <p:txBody>
+          <a:bodyPr rtlCol="0" anchor="ctr"/>
+          <a:lstStyle/>
           <a:p>
             <a:pPr algn="ctr"/>
             <a:r>
-              <a:rPr lang="it-IT" dirty="0"/>
-              <a:t>&amp;</a:t>
-            </a:r>
-            <a:br>
-              <a:rPr lang="it-IT" dirty="0"/>
-            </a:br>
-            <a:r>
-              <a:rPr lang="it-IT" dirty="0"/>
-              <a:t>REMOVE THIS PLACEHOLDER</a:t>
-            </a:r>
-          </a:p>
-        </p:txBody>
-      </p:sp>
+              <a:rPr lang="it-IT" sz="1000" dirty="0"/>
+              <a:t>LOGO</a:t>
+            </a:r>
+          </a:p>
+        </p:txBody>
+      </p:sp>
+      <p:sp>
+        <p:nvSpPr>
+          <p:cNvPr id="4" name="Rectangle 3">
+            <a:extLst>
+              <a:ext uri="{FF2B5EF4-FFF2-40B4-BE49-F238E27FC236}">
+                <a16:creationId xmlns:a16="http://schemas.microsoft.com/office/drawing/2014/main" id="{9124B848-0B92-2E00-149A-214F525F041E}"/>
+              </a:ext>
+            </a:extLst>
+          </p:cNvPr>
+          <p:cNvSpPr/>
+          <p:nvPr/>
+        </p:nvSpPr>
+        <p:spPr>
+          <a:xfrm>
+            <a:off x="2838092" y="1940902"/>
+            <a:ext cx="5444692" cy="3224471"/>
+          </a:xfrm>
+          <a:prstGeom prst="rect">
+            <a:avLst/>
+          </a:prstGeom>
+        </p:spPr>
+        <p:style>
+          <a:lnRef idx="2">
+            <a:schemeClr val="accent1">
+              <a:shade val="15000"/>
+            </a:schemeClr>
+          </a:lnRef>
+          <a:fillRef idx="1">
+            <a:schemeClr val="accent1"/>
+          </a:fillRef>
+          <a:effectRef idx="0">
+            <a:schemeClr val="accent1"/>
+          </a:effectRef>
+          <a:fontRef idx="minor">
+            <a:schemeClr val="lt1"/>
+          </a:fontRef>
+        </p:style>
+        <p:txBody>
+          <a:bodyPr rtlCol="0" anchor="ctr"/>
+          <a:lstStyle/>
+          <a:p>
+            <a:r>
+              <a:rPr lang="it-IT" dirty="0"/>
+              <a:t>Istruzioni:</a:t>
+            </a:r>
+          </a:p>
+          <a:p>
+            <a:pPr marL="285750" indent="-285750">
+              <a:buFont typeface="Arial" panose="020B0604020202020204" pitchFamily="34" charset="0"/>
+              <a:buChar char="•"/>
+            </a:pPr>
+            <a:r>
+              <a:rPr lang="it-IT" dirty="0"/>
+              <a:t>Devi eliminare questi rettangoli</a:t>
+            </a:r>
+          </a:p>
+          <a:p>
+            <a:pPr marL="285750" indent="-285750">
+              <a:buFont typeface="Arial" panose="020B0604020202020204" pitchFamily="34" charset="0"/>
+              <a:buChar char="•"/>
+            </a:pPr>
+            <a:r>
+              <a:rPr lang="it-IT" dirty="0"/>
+              <a:t>Servono solo a dirti indicativamente dove saranno sovrapposte le immagini della fotocamera che ti riprenderà (solo in presenza) e il logo della community (per tutti)</a:t>
+            </a:r>
+          </a:p>
+          <a:p>
+            <a:pPr marL="285750" indent="-285750">
+              <a:buFont typeface="Arial" panose="020B0604020202020204" pitchFamily="34" charset="0"/>
+              <a:buChar char="•"/>
+            </a:pPr>
+            <a:r>
+              <a:rPr lang="it-IT" dirty="0"/>
+              <a:t>Se ti occorresse, potrai inserire contenuti sotto al riquadro della telecamera. Ci occuperemo noi di nascondere il video per quel lasso di tempo</a:t>
+            </a:r>
+          </a:p>
+          <a:p>
+            <a:pPr marL="285750" indent="-285750">
+              <a:buFont typeface="Arial" panose="020B0604020202020204" pitchFamily="34" charset="0"/>
+              <a:buChar char="•"/>
+            </a:pPr>
+            <a:endParaRPr lang="it-IT" dirty="0"/>
+          </a:p>
+        </p:txBody>
+      </p:sp>
+      <p:cxnSp>
+        <p:nvCxnSpPr>
+          <p:cNvPr id="9" name="Straight Arrow Connector 8">
+            <a:extLst>
+              <a:ext uri="{FF2B5EF4-FFF2-40B4-BE49-F238E27FC236}">
+                <a16:creationId xmlns:a16="http://schemas.microsoft.com/office/drawing/2014/main" id="{D4027364-3638-F43D-A261-328F17C4DAF4}"/>
+              </a:ext>
+            </a:extLst>
+          </p:cNvPr>
+          <p:cNvCxnSpPr>
+            <a:cxnSpLocks/>
+            <a:stCxn id="4" idx="3"/>
+          </p:cNvCxnSpPr>
+          <p:nvPr/>
+        </p:nvCxnSpPr>
+        <p:spPr>
+          <a:xfrm flipV="1">
+            <a:off x="8282784" y="1630018"/>
+            <a:ext cx="1194642" cy="1923120"/>
+          </a:xfrm>
+          <a:prstGeom prst="straightConnector1">
+            <a:avLst/>
+          </a:prstGeom>
+          <a:ln>
+            <a:tailEnd type="triangle"/>
+          </a:ln>
+        </p:spPr>
+        <p:style>
+          <a:lnRef idx="1">
+            <a:schemeClr val="accent1"/>
+          </a:lnRef>
+          <a:fillRef idx="0">
+            <a:schemeClr val="accent1"/>
+          </a:fillRef>
+          <a:effectRef idx="0">
+            <a:schemeClr val="accent1"/>
+          </a:effectRef>
+          <a:fontRef idx="minor">
+            <a:schemeClr val="tx1"/>
+          </a:fontRef>
+        </p:style>
+      </p:cxnSp>
+      <p:cxnSp>
+        <p:nvCxnSpPr>
+          <p:cNvPr id="10" name="Straight Arrow Connector 9">
+            <a:extLst>
+              <a:ext uri="{FF2B5EF4-FFF2-40B4-BE49-F238E27FC236}">
+                <a16:creationId xmlns:a16="http://schemas.microsoft.com/office/drawing/2014/main" id="{4F1C6BB9-FA1A-2F94-8A3C-1A00180BB517}"/>
+              </a:ext>
+            </a:extLst>
+          </p:cNvPr>
+          <p:cNvCxnSpPr>
+            <a:cxnSpLocks/>
+          </p:cNvCxnSpPr>
+          <p:nvPr/>
+        </p:nvCxnSpPr>
+        <p:spPr>
+          <a:xfrm>
+            <a:off x="8282784" y="3575506"/>
+            <a:ext cx="3096416" cy="2215694"/>
+          </a:xfrm>
+          <a:prstGeom prst="straightConnector1">
+            <a:avLst/>
+          </a:prstGeom>
+          <a:ln>
+            <a:tailEnd type="triangle"/>
+          </a:ln>
+        </p:spPr>
+        <p:style>
+          <a:lnRef idx="1">
+            <a:schemeClr val="accent1"/>
+          </a:lnRef>
+          <a:fillRef idx="0">
+            <a:schemeClr val="accent1"/>
+          </a:fillRef>
+          <a:effectRef idx="0">
+            <a:schemeClr val="accent1"/>
+          </a:effectRef>
+          <a:fontRef idx="minor">
+            <a:schemeClr val="tx1"/>
+          </a:fontRef>
+        </p:style>
+      </p:cxnSp>
     </p:spTree>
     <p:extLst>
       <p:ext uri="{BB962C8B-B14F-4D97-AF65-F5344CB8AC3E}">
-        <p14:creationId xmlns:p14="http://schemas.microsoft.com/office/powerpoint/2010/main" val="909185628"/>
+        <p14:creationId xmlns:p14="http://schemas.microsoft.com/office/powerpoint/2010/main" val="930085300"/>
       </p:ext>
     </p:extLst>
   </p:cSld>
@@ -20355,10 +19172,35 @@
       </p:grpSpPr>
       <p:sp>
         <p:nvSpPr>
-          <p:cNvPr id="2" name="Titolo 1">
-            <a:extLst>
-              <a:ext uri="{FF2B5EF4-FFF2-40B4-BE49-F238E27FC236}">
-                <a16:creationId xmlns:a16="http://schemas.microsoft.com/office/drawing/2014/main" id="{E930828C-9A30-4F4F-9B1D-41435CCCA054}"/>
+          <p:cNvPr id="6" name="Segnaposto contenuto 5">
+            <a:extLst>
+              <a:ext uri="{FF2B5EF4-FFF2-40B4-BE49-F238E27FC236}">
+                <a16:creationId xmlns:a16="http://schemas.microsoft.com/office/drawing/2014/main" id="{2473D9E2-DEFE-412D-9A18-924B8EECBE47}"/>
+              </a:ext>
+            </a:extLst>
+          </p:cNvPr>
+          <p:cNvSpPr>
+            <a:spLocks noGrp="1"/>
+          </p:cNvSpPr>
+          <p:nvPr>
+            <p:ph idx="1"/>
+          </p:nvPr>
+        </p:nvSpPr>
+        <p:spPr/>
+        <p:txBody>
+          <a:bodyPr/>
+          <a:lstStyle/>
+          <a:p>
+            <a:endParaRPr lang="it-IT" dirty="0"/>
+          </a:p>
+        </p:txBody>
+      </p:sp>
+      <p:sp>
+        <p:nvSpPr>
+          <p:cNvPr id="5" name="Titolo 4">
+            <a:extLst>
+              <a:ext uri="{FF2B5EF4-FFF2-40B4-BE49-F238E27FC236}">
+                <a16:creationId xmlns:a16="http://schemas.microsoft.com/office/drawing/2014/main" id="{8CAE0EFC-B7FF-4C7D-BF02-BDDAEA8577D3}"/>
               </a:ext>
             </a:extLst>
           </p:cNvPr>
@@ -20380,10 +19222,285 @@
           </a:p>
         </p:txBody>
       </p:sp>
+      <p:sp>
+        <p:nvSpPr>
+          <p:cNvPr id="2" name="Rectangle 1">
+            <a:extLst>
+              <a:ext uri="{FF2B5EF4-FFF2-40B4-BE49-F238E27FC236}">
+                <a16:creationId xmlns:a16="http://schemas.microsoft.com/office/drawing/2014/main" id="{FC8F346C-88C7-529A-F799-950BB4C30D4E}"/>
+              </a:ext>
+            </a:extLst>
+          </p:cNvPr>
+          <p:cNvSpPr/>
+          <p:nvPr/>
+        </p:nvSpPr>
+        <p:spPr>
+          <a:xfrm>
+            <a:off x="9481930" y="244482"/>
+            <a:ext cx="2439776" cy="1385536"/>
+          </a:xfrm>
+          <a:prstGeom prst="rect">
+            <a:avLst/>
+          </a:prstGeom>
+        </p:spPr>
+        <p:style>
+          <a:lnRef idx="2">
+            <a:schemeClr val="accent1">
+              <a:shade val="50000"/>
+            </a:schemeClr>
+          </a:lnRef>
+          <a:fillRef idx="1">
+            <a:schemeClr val="accent1"/>
+          </a:fillRef>
+          <a:effectRef idx="0">
+            <a:schemeClr val="accent1"/>
+          </a:effectRef>
+          <a:fontRef idx="minor">
+            <a:schemeClr val="lt1"/>
+          </a:fontRef>
+        </p:style>
+        <p:txBody>
+          <a:bodyPr rtlCol="0" anchor="ctr"/>
+          <a:lstStyle/>
+          <a:p>
+            <a:pPr algn="ctr"/>
+            <a:r>
+              <a:rPr lang="it-IT" dirty="0"/>
+              <a:t>Camera image </a:t>
+            </a:r>
+            <a:r>
+              <a:rPr lang="it-IT" dirty="0" err="1"/>
+              <a:t>here</a:t>
+            </a:r>
+            <a:endParaRPr lang="it-IT" dirty="0"/>
+          </a:p>
+        </p:txBody>
+      </p:sp>
+      <p:sp>
+        <p:nvSpPr>
+          <p:cNvPr id="8" name="Rectangle 1">
+            <a:extLst>
+              <a:ext uri="{FF2B5EF4-FFF2-40B4-BE49-F238E27FC236}">
+                <a16:creationId xmlns:a16="http://schemas.microsoft.com/office/drawing/2014/main" id="{FA879D40-7FBE-3C05-4E3B-798CF8ADD51A}"/>
+              </a:ext>
+            </a:extLst>
+          </p:cNvPr>
+          <p:cNvSpPr/>
+          <p:nvPr/>
+        </p:nvSpPr>
+        <p:spPr>
+          <a:xfrm>
+            <a:off x="11379200" y="5791200"/>
+            <a:ext cx="722488" cy="480305"/>
+          </a:xfrm>
+          <a:prstGeom prst="rect">
+            <a:avLst/>
+          </a:prstGeom>
+        </p:spPr>
+        <p:style>
+          <a:lnRef idx="2">
+            <a:schemeClr val="accent1">
+              <a:shade val="50000"/>
+            </a:schemeClr>
+          </a:lnRef>
+          <a:fillRef idx="1">
+            <a:schemeClr val="accent1"/>
+          </a:fillRef>
+          <a:effectRef idx="0">
+            <a:schemeClr val="accent1"/>
+          </a:effectRef>
+          <a:fontRef idx="minor">
+            <a:schemeClr val="lt1"/>
+          </a:fontRef>
+        </p:style>
+        <p:txBody>
+          <a:bodyPr rtlCol="0" anchor="ctr"/>
+          <a:lstStyle/>
+          <a:p>
+            <a:pPr algn="ctr"/>
+            <a:r>
+              <a:rPr lang="it-IT" sz="1000" dirty="0"/>
+              <a:t>LOGO</a:t>
+            </a:r>
+          </a:p>
+        </p:txBody>
+      </p:sp>
+      <p:sp>
+        <p:nvSpPr>
+          <p:cNvPr id="4" name="Rectangle 3">
+            <a:extLst>
+              <a:ext uri="{FF2B5EF4-FFF2-40B4-BE49-F238E27FC236}">
+                <a16:creationId xmlns:a16="http://schemas.microsoft.com/office/drawing/2014/main" id="{9124B848-0B92-2E00-149A-214F525F041E}"/>
+              </a:ext>
+            </a:extLst>
+          </p:cNvPr>
+          <p:cNvSpPr/>
+          <p:nvPr/>
+        </p:nvSpPr>
+        <p:spPr>
+          <a:xfrm>
+            <a:off x="2838092" y="1940902"/>
+            <a:ext cx="5444692" cy="3224471"/>
+          </a:xfrm>
+          <a:prstGeom prst="rect">
+            <a:avLst/>
+          </a:prstGeom>
+        </p:spPr>
+        <p:style>
+          <a:lnRef idx="2">
+            <a:schemeClr val="accent1">
+              <a:shade val="15000"/>
+            </a:schemeClr>
+          </a:lnRef>
+          <a:fillRef idx="1">
+            <a:schemeClr val="accent1"/>
+          </a:fillRef>
+          <a:effectRef idx="0">
+            <a:schemeClr val="accent1"/>
+          </a:effectRef>
+          <a:fontRef idx="minor">
+            <a:schemeClr val="lt1"/>
+          </a:fontRef>
+        </p:style>
+        <p:txBody>
+          <a:bodyPr rtlCol="0" anchor="ctr"/>
+          <a:lstStyle/>
+          <a:p>
+            <a:r>
+              <a:rPr lang="it-IT" b="0" i="0" dirty="0" err="1">
+                <a:solidFill>
+                  <a:schemeClr val="bg1"/>
+                </a:solidFill>
+                <a:effectLst/>
+                <a:latin typeface="Söhne"/>
+              </a:rPr>
+              <a:t>Instructions</a:t>
+            </a:r>
+            <a:r>
+              <a:rPr lang="it-IT" dirty="0"/>
+              <a:t>:</a:t>
+            </a:r>
+          </a:p>
+          <a:p>
+            <a:pPr marL="285750" indent="-285750">
+              <a:buFont typeface="Arial" panose="020B0604020202020204" pitchFamily="34" charset="0"/>
+              <a:buChar char="•"/>
+            </a:pPr>
+            <a:r>
+              <a:rPr lang="en-US" dirty="0"/>
+              <a:t>You need to remove these rectangles</a:t>
+            </a:r>
+          </a:p>
+          <a:p>
+            <a:pPr marL="285750" indent="-285750">
+              <a:buFont typeface="Arial" panose="020B0604020202020204" pitchFamily="34" charset="0"/>
+              <a:buChar char="•"/>
+            </a:pPr>
+            <a:r>
+              <a:rPr lang="en-US" dirty="0"/>
+              <a:t>They are only there to give you a general idea of where the camera images that will record you (only when present) and the community logo (for everyone) will be overlaid.</a:t>
+            </a:r>
+          </a:p>
+          <a:p>
+            <a:pPr marL="285750" indent="-285750">
+              <a:buFont typeface="Arial" panose="020B0604020202020204" pitchFamily="34" charset="0"/>
+              <a:buChar char="•"/>
+            </a:pPr>
+            <a:r>
+              <a:rPr lang="en-US" dirty="0"/>
+              <a:t>If needed, you can add content below the camera frame. We will take care of hiding the video during that period of time.</a:t>
+            </a:r>
+            <a:endParaRPr lang="it-IT" dirty="0"/>
+          </a:p>
+        </p:txBody>
+      </p:sp>
+      <p:cxnSp>
+        <p:nvCxnSpPr>
+          <p:cNvPr id="9" name="Straight Arrow Connector 8">
+            <a:extLst>
+              <a:ext uri="{FF2B5EF4-FFF2-40B4-BE49-F238E27FC236}">
+                <a16:creationId xmlns:a16="http://schemas.microsoft.com/office/drawing/2014/main" id="{D4027364-3638-F43D-A261-328F17C4DAF4}"/>
+              </a:ext>
+            </a:extLst>
+          </p:cNvPr>
+          <p:cNvCxnSpPr>
+            <a:cxnSpLocks/>
+            <a:stCxn id="4" idx="3"/>
+          </p:cNvCxnSpPr>
+          <p:nvPr/>
+        </p:nvCxnSpPr>
+        <p:spPr>
+          <a:xfrm flipV="1">
+            <a:off x="8282784" y="1630018"/>
+            <a:ext cx="1194642" cy="1923120"/>
+          </a:xfrm>
+          <a:prstGeom prst="straightConnector1">
+            <a:avLst/>
+          </a:prstGeom>
+          <a:ln>
+            <a:tailEnd type="triangle"/>
+          </a:ln>
+        </p:spPr>
+        <p:style>
+          <a:lnRef idx="1">
+            <a:schemeClr val="accent1"/>
+          </a:lnRef>
+          <a:fillRef idx="0">
+            <a:schemeClr val="accent1"/>
+          </a:fillRef>
+          <a:effectRef idx="0">
+            <a:schemeClr val="accent1"/>
+          </a:effectRef>
+          <a:fontRef idx="minor">
+            <a:schemeClr val="tx1"/>
+          </a:fontRef>
+        </p:style>
+      </p:cxnSp>
+      <p:cxnSp>
+        <p:nvCxnSpPr>
+          <p:cNvPr id="10" name="Straight Arrow Connector 9">
+            <a:extLst>
+              <a:ext uri="{FF2B5EF4-FFF2-40B4-BE49-F238E27FC236}">
+                <a16:creationId xmlns:a16="http://schemas.microsoft.com/office/drawing/2014/main" id="{4F1C6BB9-FA1A-2F94-8A3C-1A00180BB517}"/>
+              </a:ext>
+            </a:extLst>
+          </p:cNvPr>
+          <p:cNvCxnSpPr>
+            <a:cxnSpLocks/>
+          </p:cNvCxnSpPr>
+          <p:nvPr/>
+        </p:nvCxnSpPr>
+        <p:spPr>
+          <a:xfrm>
+            <a:off x="8282784" y="3575506"/>
+            <a:ext cx="3096416" cy="2215694"/>
+          </a:xfrm>
+          <a:prstGeom prst="straightConnector1">
+            <a:avLst/>
+          </a:prstGeom>
+          <a:ln>
+            <a:tailEnd type="triangle"/>
+          </a:ln>
+        </p:spPr>
+        <p:style>
+          <a:lnRef idx="1">
+            <a:schemeClr val="accent1"/>
+          </a:lnRef>
+          <a:fillRef idx="0">
+            <a:schemeClr val="accent1"/>
+          </a:fillRef>
+          <a:effectRef idx="0">
+            <a:schemeClr val="accent1"/>
+          </a:effectRef>
+          <a:fontRef idx="minor">
+            <a:schemeClr val="tx1"/>
+          </a:fontRef>
+        </p:style>
+      </p:cxnSp>
     </p:spTree>
     <p:extLst>
       <p:ext uri="{BB962C8B-B14F-4D97-AF65-F5344CB8AC3E}">
-        <p14:creationId xmlns:p14="http://schemas.microsoft.com/office/powerpoint/2010/main" val="3417245344"/>
+        <p14:creationId xmlns:p14="http://schemas.microsoft.com/office/powerpoint/2010/main" val="909185628"/>
       </p:ext>
     </p:extLst>
   </p:cSld>
@@ -20415,7 +19532,7 @@
           <p:cNvPr id="2" name="Titolo 1">
             <a:extLst>
               <a:ext uri="{FF2B5EF4-FFF2-40B4-BE49-F238E27FC236}">
-                <a16:creationId xmlns:a16="http://schemas.microsoft.com/office/drawing/2014/main" id="{0E689928-B287-4F6F-9288-1DE7ADE2F318}"/>
+                <a16:creationId xmlns:a16="http://schemas.microsoft.com/office/drawing/2014/main" id="{E930828C-9A30-4F4F-9B1D-41435CCCA054}"/>
               </a:ext>
             </a:extLst>
           </p:cNvPr>
@@ -20433,14 +19550,14 @@
           </a:bodyPr>
           <a:lstStyle/>
           <a:p>
-            <a:endParaRPr lang="it-IT" dirty="0"/>
+            <a:endParaRPr lang="it-IT"/>
           </a:p>
         </p:txBody>
       </p:sp>
     </p:spTree>
     <p:extLst>
       <p:ext uri="{BB962C8B-B14F-4D97-AF65-F5344CB8AC3E}">
-        <p14:creationId xmlns:p14="http://schemas.microsoft.com/office/powerpoint/2010/main" val="3575452940"/>
+        <p14:creationId xmlns:p14="http://schemas.microsoft.com/office/powerpoint/2010/main" val="3417245344"/>
       </p:ext>
     </p:extLst>
   </p:cSld>
@@ -20469,6 +19586,63 @@
       </p:grpSpPr>
       <p:sp>
         <p:nvSpPr>
+          <p:cNvPr id="2" name="Titolo 1">
+            <a:extLst>
+              <a:ext uri="{FF2B5EF4-FFF2-40B4-BE49-F238E27FC236}">
+                <a16:creationId xmlns:a16="http://schemas.microsoft.com/office/drawing/2014/main" id="{0E689928-B287-4F6F-9288-1DE7ADE2F318}"/>
+              </a:ext>
+            </a:extLst>
+          </p:cNvPr>
+          <p:cNvSpPr>
+            <a:spLocks noGrp="1"/>
+          </p:cNvSpPr>
+          <p:nvPr>
+            <p:ph type="title"/>
+          </p:nvPr>
+        </p:nvSpPr>
+        <p:spPr/>
+        <p:txBody>
+          <a:bodyPr>
+            <a:normAutofit fontScale="90000"/>
+          </a:bodyPr>
+          <a:lstStyle/>
+          <a:p>
+            <a:endParaRPr lang="it-IT" dirty="0"/>
+          </a:p>
+        </p:txBody>
+      </p:sp>
+    </p:spTree>
+    <p:extLst>
+      <p:ext uri="{BB962C8B-B14F-4D97-AF65-F5344CB8AC3E}">
+        <p14:creationId xmlns:p14="http://schemas.microsoft.com/office/powerpoint/2010/main" val="3575452940"/>
+      </p:ext>
+    </p:extLst>
+  </p:cSld>
+  <p:clrMapOvr>
+    <a:masterClrMapping/>
+  </p:clrMapOvr>
+</p:sld>
+</file>
+
+<file path=ppt/slides/slide7.xml><?xml version="1.0" encoding="utf-8"?>
+<p:sld xmlns:a="http://schemas.openxmlformats.org/drawingml/2006/main" xmlns:r="http://schemas.openxmlformats.org/officeDocument/2006/relationships" xmlns:p="http://schemas.openxmlformats.org/presentationml/2006/main">
+  <p:cSld>
+    <p:spTree>
+      <p:nvGrpSpPr>
+        <p:cNvPr id="1" name=""/>
+        <p:cNvGrpSpPr/>
+        <p:nvPr/>
+      </p:nvGrpSpPr>
+      <p:grpSpPr>
+        <a:xfrm>
+          <a:off x="0" y="0"/>
+          <a:ext cx="0" cy="0"/>
+          <a:chOff x="0" y="0"/>
+          <a:chExt cx="0" cy="0"/>
+        </a:xfrm>
+      </p:grpSpPr>
+      <p:sp>
+        <p:nvSpPr>
           <p:cNvPr id="6" name="Segnaposto contenuto 5">
             <a:extLst>
               <a:ext uri="{FF2B5EF4-FFF2-40B4-BE49-F238E27FC236}">
@@ -20548,7 +19722,7 @@
 </p:sld>
 </file>
 
-<file path=ppt/slides/slide7.xml><?xml version="1.0" encoding="utf-8"?>
+<file path=ppt/slides/slide8.xml><?xml version="1.0" encoding="utf-8"?>
 <p:sld xmlns:a="http://schemas.openxmlformats.org/drawingml/2006/main" xmlns:r="http://schemas.openxmlformats.org/officeDocument/2006/relationships" xmlns:p="http://schemas.openxmlformats.org/presentationml/2006/main">
   <p:cSld>
     <p:spTree>
